--- a/Slides/On-Campus/14_01_BlockChain.pptx
+++ b/Slides/On-Campus/14_01_BlockChain.pptx
@@ -5,21 +5,23 @@
     <p:sldMasterId id="2147483648" r:id="rId1"/>
   </p:sldMasterIdLst>
   <p:notesMasterIdLst>
-    <p:notesMasterId r:id="rId11"/>
+    <p:notesMasterId r:id="rId13"/>
   </p:notesMasterIdLst>
   <p:handoutMasterIdLst>
-    <p:handoutMasterId r:id="rId12"/>
+    <p:handoutMasterId r:id="rId14"/>
   </p:handoutMasterIdLst>
   <p:sldIdLst>
     <p:sldId id="256" r:id="rId2"/>
-    <p:sldId id="262" r:id="rId3"/>
-    <p:sldId id="263" r:id="rId4"/>
-    <p:sldId id="264" r:id="rId5"/>
-    <p:sldId id="265" r:id="rId6"/>
-    <p:sldId id="266" r:id="rId7"/>
-    <p:sldId id="267" r:id="rId8"/>
-    <p:sldId id="268" r:id="rId9"/>
-    <p:sldId id="269" r:id="rId10"/>
+    <p:sldId id="274" r:id="rId3"/>
+    <p:sldId id="262" r:id="rId4"/>
+    <p:sldId id="263" r:id="rId5"/>
+    <p:sldId id="264" r:id="rId6"/>
+    <p:sldId id="265" r:id="rId7"/>
+    <p:sldId id="269" r:id="rId8"/>
+    <p:sldId id="270" r:id="rId9"/>
+    <p:sldId id="271" r:id="rId10"/>
+    <p:sldId id="272" r:id="rId11"/>
+    <p:sldId id="273" r:id="rId12"/>
   </p:sldIdLst>
   <p:sldSz cx="13817600" cy="7772400"/>
   <p:notesSz cx="6858000" cy="9144000"/>
@@ -222,7 +224,7 @@
           <a:p>
             <a:fld id="{4D7E51A5-B478-1E40-8CBB-0DAA8831E99D}" type="datetimeFigureOut">
               <a:rPr lang="en-US" smtClean="0"/>
-              <a:t>11/15/2021</a:t>
+              <a:t>11/29/21</a:t>
             </a:fld>
             <a:endParaRPr lang="en-US"/>
           </a:p>
@@ -387,7 +389,7 @@
           <a:p>
             <a:fld id="{D0ED587F-861E-6740-9643-E3DDAE89B8D6}" type="datetimeFigureOut">
               <a:rPr lang="en-US" smtClean="0"/>
-              <a:t>11/15/2021</a:t>
+              <a:t>11/29/21</a:t>
             </a:fld>
             <a:endParaRPr lang="en-US"/>
           </a:p>
@@ -655,6 +657,90 @@
 </file>
 
 <file path=ppt/notesSlides/notesSlide1.xml><?xml version="1.0" encoding="utf-8"?>
+<p:notes xmlns:a="http://schemas.openxmlformats.org/drawingml/2006/main" xmlns:r="http://schemas.openxmlformats.org/officeDocument/2006/relationships" xmlns:p="http://schemas.openxmlformats.org/presentationml/2006/main">
+  <p:cSld>
+    <p:spTree>
+      <p:nvGrpSpPr>
+        <p:cNvPr id="1" name=""/>
+        <p:cNvGrpSpPr/>
+        <p:nvPr/>
+      </p:nvGrpSpPr>
+      <p:grpSpPr>
+        <a:xfrm>
+          <a:off x="0" y="0"/>
+          <a:ext cx="0" cy="0"/>
+          <a:chOff x="0" y="0"/>
+          <a:chExt cx="0" cy="0"/>
+        </a:xfrm>
+      </p:grpSpPr>
+      <p:sp>
+        <p:nvSpPr>
+          <p:cNvPr id="2" name="Slide Image Placeholder 1"/>
+          <p:cNvSpPr>
+            <a:spLocks noGrp="1" noRot="1" noChangeAspect="1"/>
+          </p:cNvSpPr>
+          <p:nvPr>
+            <p:ph type="sldImg"/>
+          </p:nvPr>
+        </p:nvSpPr>
+        <p:spPr/>
+      </p:sp>
+      <p:sp>
+        <p:nvSpPr>
+          <p:cNvPr id="3" name="Notes Placeholder 2"/>
+          <p:cNvSpPr>
+            <a:spLocks noGrp="1"/>
+          </p:cNvSpPr>
+          <p:nvPr>
+            <p:ph type="body" idx="1"/>
+          </p:nvPr>
+        </p:nvSpPr>
+        <p:spPr/>
+        <p:txBody>
+          <a:bodyPr/>
+          <a:lstStyle/>
+          <a:p>
+            <a:endParaRPr lang="en-US" dirty="0"/>
+          </a:p>
+        </p:txBody>
+      </p:sp>
+      <p:sp>
+        <p:nvSpPr>
+          <p:cNvPr id="4" name="Slide Number Placeholder 3"/>
+          <p:cNvSpPr>
+            <a:spLocks noGrp="1"/>
+          </p:cNvSpPr>
+          <p:nvPr>
+            <p:ph type="sldNum" sz="quarter" idx="5"/>
+          </p:nvPr>
+        </p:nvSpPr>
+        <p:spPr/>
+        <p:txBody>
+          <a:bodyPr/>
+          <a:lstStyle/>
+          <a:p>
+            <a:fld id="{1A032F50-0B60-B34B-8422-4E195A5AE2C1}" type="slidenum">
+              <a:rPr lang="en-US" smtClean="0"/>
+              <a:t>2</a:t>
+            </a:fld>
+            <a:endParaRPr lang="en-US"/>
+          </a:p>
+        </p:txBody>
+      </p:sp>
+    </p:spTree>
+    <p:extLst>
+      <p:ext uri="{BB962C8B-B14F-4D97-AF65-F5344CB8AC3E}">
+        <p14:creationId xmlns:p14="http://schemas.microsoft.com/office/powerpoint/2010/main" val="3522419656"/>
+      </p:ext>
+    </p:extLst>
+  </p:cSld>
+  <p:clrMapOvr>
+    <a:masterClrMapping/>
+  </p:clrMapOvr>
+</p:notes>
+</file>
+
+<file path=ppt/notesSlides/notesSlide2.xml><?xml version="1.0" encoding="utf-8"?>
 <p:notes xmlns:a="http://schemas.openxmlformats.org/drawingml/2006/main" xmlns:r="http://schemas.openxmlformats.org/officeDocument/2006/relationships" xmlns:p="http://schemas.openxmlformats.org/presentationml/2006/main" showMasterSp="0" showMasterPhAnim="0">
   <p:cSld>
     <p:spTree>
@@ -758,7 +844,7 @@
 </p:notes>
 </file>
 
-<file path=ppt/notesSlides/notesSlide2.xml><?xml version="1.0" encoding="utf-8"?>
+<file path=ppt/notesSlides/notesSlide3.xml><?xml version="1.0" encoding="utf-8"?>
 <p:notes xmlns:a="http://schemas.openxmlformats.org/drawingml/2006/main" xmlns:r="http://schemas.openxmlformats.org/officeDocument/2006/relationships" xmlns:p="http://schemas.openxmlformats.org/presentationml/2006/main" showMasterSp="0" showMasterPhAnim="0">
   <p:cSld>
     <p:spTree>
@@ -862,7 +948,7 @@
 </p:notes>
 </file>
 
-<file path=ppt/notesSlides/notesSlide3.xml><?xml version="1.0" encoding="utf-8"?>
+<file path=ppt/notesSlides/notesSlide4.xml><?xml version="1.0" encoding="utf-8"?>
 <p:notes xmlns:a="http://schemas.openxmlformats.org/drawingml/2006/main" xmlns:r="http://schemas.openxmlformats.org/officeDocument/2006/relationships" xmlns:p="http://schemas.openxmlformats.org/presentationml/2006/main" showMasterSp="0" showMasterPhAnim="0">
   <p:cSld>
     <p:spTree>
@@ -966,7 +1052,7 @@
 </p:notes>
 </file>
 
-<file path=ppt/notesSlides/notesSlide4.xml><?xml version="1.0" encoding="utf-8"?>
+<file path=ppt/notesSlides/notesSlide5.xml><?xml version="1.0" encoding="utf-8"?>
 <p:notes xmlns:a="http://schemas.openxmlformats.org/drawingml/2006/main" xmlns:r="http://schemas.openxmlformats.org/officeDocument/2006/relationships" xmlns:p="http://schemas.openxmlformats.org/presentationml/2006/main" showMasterSp="0" showMasterPhAnim="0">
   <p:cSld>
     <p:spTree>
@@ -1070,319 +1156,7 @@
 </p:notes>
 </file>
 
-<file path=ppt/notesSlides/notesSlide5.xml><?xml version="1.0" encoding="utf-8"?>
-<p:notes xmlns:a="http://schemas.openxmlformats.org/drawingml/2006/main" xmlns:r="http://schemas.openxmlformats.org/officeDocument/2006/relationships" xmlns:p="http://schemas.openxmlformats.org/presentationml/2006/main" showMasterSp="0" showMasterPhAnim="0">
-  <p:cSld>
-    <p:spTree>
-      <p:nvGrpSpPr>
-        <p:cNvPr id="1" name="Shape 220"/>
-        <p:cNvGrpSpPr/>
-        <p:nvPr/>
-      </p:nvGrpSpPr>
-      <p:grpSpPr>
-        <a:xfrm>
-          <a:off x="0" y="0"/>
-          <a:ext cx="0" cy="0"/>
-          <a:chOff x="0" y="0"/>
-          <a:chExt cx="0" cy="0"/>
-        </a:xfrm>
-      </p:grpSpPr>
-      <p:sp>
-        <p:nvSpPr>
-          <p:cNvPr id="221" name="Google Shape;221;g80dd339b16_0_28:notes"/>
-          <p:cNvSpPr>
-            <a:spLocks noGrp="1" noRot="1" noChangeAspect="1"/>
-          </p:cNvSpPr>
-          <p:nvPr>
-            <p:ph type="sldImg" idx="2"/>
-          </p:nvPr>
-        </p:nvSpPr>
-        <p:spPr>
-          <a:xfrm>
-            <a:off x="381000" y="685800"/>
-            <a:ext cx="6096000" cy="3429000"/>
-          </a:xfrm>
-          <a:custGeom>
-            <a:avLst/>
-            <a:gdLst/>
-            <a:ahLst/>
-            <a:cxnLst/>
-            <a:rect l="l" t="t" r="r" b="b"/>
-            <a:pathLst>
-              <a:path w="120000" h="120000" extrusionOk="0">
-                <a:moveTo>
-                  <a:pt x="0" y="0"/>
-                </a:moveTo>
-                <a:lnTo>
-                  <a:pt x="120000" y="0"/>
-                </a:lnTo>
-                <a:lnTo>
-                  <a:pt x="120000" y="120000"/>
-                </a:lnTo>
-                <a:lnTo>
-                  <a:pt x="0" y="120000"/>
-                </a:lnTo>
-                <a:close/>
-              </a:path>
-            </a:pathLst>
-          </a:custGeom>
-        </p:spPr>
-      </p:sp>
-      <p:sp>
-        <p:nvSpPr>
-          <p:cNvPr id="222" name="Google Shape;222;g80dd339b16_0_28:notes"/>
-          <p:cNvSpPr txBox="1">
-            <a:spLocks noGrp="1"/>
-          </p:cNvSpPr>
-          <p:nvPr>
-            <p:ph type="body" idx="1"/>
-          </p:nvPr>
-        </p:nvSpPr>
-        <p:spPr>
-          <a:xfrm>
-            <a:off x="685800" y="4343400"/>
-            <a:ext cx="5486400" cy="4114800"/>
-          </a:xfrm>
-          <a:prstGeom prst="rect">
-            <a:avLst/>
-          </a:prstGeom>
-        </p:spPr>
-        <p:txBody>
-          <a:bodyPr spcFirstLastPara="1" wrap="square" lIns="91425" tIns="91425" rIns="91425" bIns="91425" anchor="t" anchorCtr="0">
-            <a:noAutofit/>
-          </a:bodyPr>
-          <a:lstStyle/>
-          <a:p>
-            <a:pPr marL="0" lvl="0" indent="0" algn="l" rtl="0">
-              <a:spcBef>
-                <a:spcPts val="0"/>
-              </a:spcBef>
-              <a:spcAft>
-                <a:spcPts val="0"/>
-              </a:spcAft>
-              <a:buNone/>
-            </a:pPr>
-            <a:endParaRPr/>
-          </a:p>
-        </p:txBody>
-      </p:sp>
-    </p:spTree>
-  </p:cSld>
-  <p:clrMapOvr>
-    <a:masterClrMapping/>
-  </p:clrMapOvr>
-</p:notes>
-</file>
-
 <file path=ppt/notesSlides/notesSlide6.xml><?xml version="1.0" encoding="utf-8"?>
-<p:notes xmlns:a="http://schemas.openxmlformats.org/drawingml/2006/main" xmlns:r="http://schemas.openxmlformats.org/officeDocument/2006/relationships" xmlns:p="http://schemas.openxmlformats.org/presentationml/2006/main" showMasterSp="0" showMasterPhAnim="0">
-  <p:cSld>
-    <p:spTree>
-      <p:nvGrpSpPr>
-        <p:cNvPr id="1" name="Shape 229"/>
-        <p:cNvGrpSpPr/>
-        <p:nvPr/>
-      </p:nvGrpSpPr>
-      <p:grpSpPr>
-        <a:xfrm>
-          <a:off x="0" y="0"/>
-          <a:ext cx="0" cy="0"/>
-          <a:chOff x="0" y="0"/>
-          <a:chExt cx="0" cy="0"/>
-        </a:xfrm>
-      </p:grpSpPr>
-      <p:sp>
-        <p:nvSpPr>
-          <p:cNvPr id="230" name="Google Shape;230;g80dd339b16_0_36:notes"/>
-          <p:cNvSpPr>
-            <a:spLocks noGrp="1" noRot="1" noChangeAspect="1"/>
-          </p:cNvSpPr>
-          <p:nvPr>
-            <p:ph type="sldImg" idx="2"/>
-          </p:nvPr>
-        </p:nvSpPr>
-        <p:spPr>
-          <a:xfrm>
-            <a:off x="381000" y="685800"/>
-            <a:ext cx="6096000" cy="3429000"/>
-          </a:xfrm>
-          <a:custGeom>
-            <a:avLst/>
-            <a:gdLst/>
-            <a:ahLst/>
-            <a:cxnLst/>
-            <a:rect l="l" t="t" r="r" b="b"/>
-            <a:pathLst>
-              <a:path w="120000" h="120000" extrusionOk="0">
-                <a:moveTo>
-                  <a:pt x="0" y="0"/>
-                </a:moveTo>
-                <a:lnTo>
-                  <a:pt x="120000" y="0"/>
-                </a:lnTo>
-                <a:lnTo>
-                  <a:pt x="120000" y="120000"/>
-                </a:lnTo>
-                <a:lnTo>
-                  <a:pt x="0" y="120000"/>
-                </a:lnTo>
-                <a:close/>
-              </a:path>
-            </a:pathLst>
-          </a:custGeom>
-        </p:spPr>
-      </p:sp>
-      <p:sp>
-        <p:nvSpPr>
-          <p:cNvPr id="231" name="Google Shape;231;g80dd339b16_0_36:notes"/>
-          <p:cNvSpPr txBox="1">
-            <a:spLocks noGrp="1"/>
-          </p:cNvSpPr>
-          <p:nvPr>
-            <p:ph type="body" idx="1"/>
-          </p:nvPr>
-        </p:nvSpPr>
-        <p:spPr>
-          <a:xfrm>
-            <a:off x="685800" y="4343400"/>
-            <a:ext cx="5486400" cy="4114800"/>
-          </a:xfrm>
-          <a:prstGeom prst="rect">
-            <a:avLst/>
-          </a:prstGeom>
-        </p:spPr>
-        <p:txBody>
-          <a:bodyPr spcFirstLastPara="1" wrap="square" lIns="91425" tIns="91425" rIns="91425" bIns="91425" anchor="t" anchorCtr="0">
-            <a:noAutofit/>
-          </a:bodyPr>
-          <a:lstStyle/>
-          <a:p>
-            <a:pPr marL="0" lvl="0" indent="0" algn="l" rtl="0">
-              <a:spcBef>
-                <a:spcPts val="0"/>
-              </a:spcBef>
-              <a:spcAft>
-                <a:spcPts val="0"/>
-              </a:spcAft>
-              <a:buNone/>
-            </a:pPr>
-            <a:endParaRPr/>
-          </a:p>
-        </p:txBody>
-      </p:sp>
-    </p:spTree>
-  </p:cSld>
-  <p:clrMapOvr>
-    <a:masterClrMapping/>
-  </p:clrMapOvr>
-</p:notes>
-</file>
-
-<file path=ppt/notesSlides/notesSlide7.xml><?xml version="1.0" encoding="utf-8"?>
-<p:notes xmlns:a="http://schemas.openxmlformats.org/drawingml/2006/main" xmlns:r="http://schemas.openxmlformats.org/officeDocument/2006/relationships" xmlns:p="http://schemas.openxmlformats.org/presentationml/2006/main" showMasterSp="0" showMasterPhAnim="0">
-  <p:cSld>
-    <p:spTree>
-      <p:nvGrpSpPr>
-        <p:cNvPr id="1" name="Shape 246"/>
-        <p:cNvGrpSpPr/>
-        <p:nvPr/>
-      </p:nvGrpSpPr>
-      <p:grpSpPr>
-        <a:xfrm>
-          <a:off x="0" y="0"/>
-          <a:ext cx="0" cy="0"/>
-          <a:chOff x="0" y="0"/>
-          <a:chExt cx="0" cy="0"/>
-        </a:xfrm>
-      </p:grpSpPr>
-      <p:sp>
-        <p:nvSpPr>
-          <p:cNvPr id="247" name="Google Shape;247;g80dd339b16_0_52:notes"/>
-          <p:cNvSpPr>
-            <a:spLocks noGrp="1" noRot="1" noChangeAspect="1"/>
-          </p:cNvSpPr>
-          <p:nvPr>
-            <p:ph type="sldImg" idx="2"/>
-          </p:nvPr>
-        </p:nvSpPr>
-        <p:spPr>
-          <a:xfrm>
-            <a:off x="381000" y="685800"/>
-            <a:ext cx="6096000" cy="3429000"/>
-          </a:xfrm>
-          <a:custGeom>
-            <a:avLst/>
-            <a:gdLst/>
-            <a:ahLst/>
-            <a:cxnLst/>
-            <a:rect l="l" t="t" r="r" b="b"/>
-            <a:pathLst>
-              <a:path w="120000" h="120000" extrusionOk="0">
-                <a:moveTo>
-                  <a:pt x="0" y="0"/>
-                </a:moveTo>
-                <a:lnTo>
-                  <a:pt x="120000" y="0"/>
-                </a:lnTo>
-                <a:lnTo>
-                  <a:pt x="120000" y="120000"/>
-                </a:lnTo>
-                <a:lnTo>
-                  <a:pt x="0" y="120000"/>
-                </a:lnTo>
-                <a:close/>
-              </a:path>
-            </a:pathLst>
-          </a:custGeom>
-        </p:spPr>
-      </p:sp>
-      <p:sp>
-        <p:nvSpPr>
-          <p:cNvPr id="248" name="Google Shape;248;g80dd339b16_0_52:notes"/>
-          <p:cNvSpPr txBox="1">
-            <a:spLocks noGrp="1"/>
-          </p:cNvSpPr>
-          <p:nvPr>
-            <p:ph type="body" idx="1"/>
-          </p:nvPr>
-        </p:nvSpPr>
-        <p:spPr>
-          <a:xfrm>
-            <a:off x="685800" y="4343400"/>
-            <a:ext cx="5486400" cy="4114800"/>
-          </a:xfrm>
-          <a:prstGeom prst="rect">
-            <a:avLst/>
-          </a:prstGeom>
-        </p:spPr>
-        <p:txBody>
-          <a:bodyPr spcFirstLastPara="1" wrap="square" lIns="91425" tIns="91425" rIns="91425" bIns="91425" anchor="t" anchorCtr="0">
-            <a:noAutofit/>
-          </a:bodyPr>
-          <a:lstStyle/>
-          <a:p>
-            <a:pPr marL="0" lvl="0" indent="0" algn="l" rtl="0">
-              <a:spcBef>
-                <a:spcPts val="0"/>
-              </a:spcBef>
-              <a:spcAft>
-                <a:spcPts val="0"/>
-              </a:spcAft>
-              <a:buNone/>
-            </a:pPr>
-            <a:endParaRPr/>
-          </a:p>
-        </p:txBody>
-      </p:sp>
-    </p:spTree>
-  </p:cSld>
-  <p:clrMapOvr>
-    <a:masterClrMapping/>
-  </p:clrMapOvr>
-</p:notes>
-</file>
-
-<file path=ppt/notesSlides/notesSlide8.xml><?xml version="1.0" encoding="utf-8"?>
 <p:notes xmlns:a="http://schemas.openxmlformats.org/drawingml/2006/main" xmlns:r="http://schemas.openxmlformats.org/officeDocument/2006/relationships" xmlns:p="http://schemas.openxmlformats.org/presentationml/2006/main" showMasterSp="0" showMasterPhAnim="0">
   <p:cSld>
     <p:spTree>
@@ -8140,7 +7914,691 @@
 </p:sld>
 </file>
 
+<file path=ppt/slides/slide10.xml><?xml version="1.0" encoding="utf-8"?>
+<p:sld xmlns:a="http://schemas.openxmlformats.org/drawingml/2006/main" xmlns:r="http://schemas.openxmlformats.org/officeDocument/2006/relationships" xmlns:p="http://schemas.openxmlformats.org/presentationml/2006/main">
+  <p:cSld>
+    <p:spTree>
+      <p:nvGrpSpPr>
+        <p:cNvPr id="1" name=""/>
+        <p:cNvGrpSpPr/>
+        <p:nvPr/>
+      </p:nvGrpSpPr>
+      <p:grpSpPr>
+        <a:xfrm>
+          <a:off x="0" y="0"/>
+          <a:ext cx="0" cy="0"/>
+          <a:chOff x="0" y="0"/>
+          <a:chExt cx="0" cy="0"/>
+        </a:xfrm>
+      </p:grpSpPr>
+      <p:sp>
+        <p:nvSpPr>
+          <p:cNvPr id="2" name="Title 1">
+            <a:extLst>
+              <a:ext uri="{FF2B5EF4-FFF2-40B4-BE49-F238E27FC236}">
+                <a16:creationId xmlns:a16="http://schemas.microsoft.com/office/drawing/2014/main" id="{C4D03E15-41AE-8E4E-B1EF-FA61D38B4CF9}"/>
+              </a:ext>
+            </a:extLst>
+          </p:cNvPr>
+          <p:cNvSpPr>
+            <a:spLocks noGrp="1"/>
+          </p:cNvSpPr>
+          <p:nvPr>
+            <p:ph type="title"/>
+          </p:nvPr>
+        </p:nvSpPr>
+        <p:spPr/>
+        <p:txBody>
+          <a:bodyPr/>
+          <a:lstStyle/>
+          <a:p>
+            <a:r>
+              <a:rPr lang="en-US" dirty="0"/>
+              <a:t>Blockchain</a:t>
+            </a:r>
+          </a:p>
+        </p:txBody>
+      </p:sp>
+      <p:sp>
+        <p:nvSpPr>
+          <p:cNvPr id="3" name="Text Placeholder 2">
+            <a:extLst>
+              <a:ext uri="{FF2B5EF4-FFF2-40B4-BE49-F238E27FC236}">
+                <a16:creationId xmlns:a16="http://schemas.microsoft.com/office/drawing/2014/main" id="{46229BE6-66DE-614E-8CFF-9CDD59B32385}"/>
+              </a:ext>
+            </a:extLst>
+          </p:cNvPr>
+          <p:cNvSpPr>
+            <a:spLocks noGrp="1"/>
+          </p:cNvSpPr>
+          <p:nvPr>
+            <p:ph type="body" idx="1"/>
+          </p:nvPr>
+        </p:nvSpPr>
+        <p:spPr>
+          <a:xfrm>
+            <a:off x="628074" y="1653967"/>
+            <a:ext cx="12561413" cy="5225142"/>
+          </a:xfrm>
+        </p:spPr>
+        <p:txBody>
+          <a:bodyPr/>
+          <a:lstStyle/>
+          <a:p>
+            <a:r>
+              <a:rPr lang="en-US" dirty="0"/>
+              <a:t>Decentralized </a:t>
+            </a:r>
+          </a:p>
+          <a:p>
+            <a:pPr lvl="1"/>
+            <a:r>
+              <a:rPr lang="en-US" dirty="0"/>
+              <a:t>There isn’t a standard ‘manager’</a:t>
+            </a:r>
+          </a:p>
+          <a:p>
+            <a:pPr lvl="1"/>
+            <a:r>
+              <a:rPr lang="en-US" dirty="0"/>
+              <a:t>Called distributed ledger </a:t>
+            </a:r>
+          </a:p>
+          <a:p>
+            <a:r>
+              <a:rPr lang="en-US" dirty="0"/>
+              <a:t>Each transaction</a:t>
+            </a:r>
+          </a:p>
+          <a:p>
+            <a:pPr lvl="1"/>
+            <a:r>
+              <a:rPr lang="en-US" dirty="0"/>
+              <a:t>Stored in as part of a chain</a:t>
+            </a:r>
+          </a:p>
+          <a:p>
+            <a:pPr lvl="1"/>
+            <a:r>
+              <a:rPr lang="en-US" dirty="0"/>
+              <a:t>There is no way to ‘delete’ or modify items</a:t>
+            </a:r>
+          </a:p>
+          <a:p>
+            <a:pPr lvl="1"/>
+            <a:r>
+              <a:rPr lang="en-US" dirty="0"/>
+              <a:t>if the chain is modified – it is not the same chain</a:t>
+            </a:r>
+          </a:p>
+          <a:p>
+            <a:pPr lvl="2"/>
+            <a:r>
+              <a:rPr lang="en-US" dirty="0"/>
+              <a:t>invalid! </a:t>
+            </a:r>
+          </a:p>
+          <a:p>
+            <a:r>
+              <a:rPr lang="en-US" dirty="0"/>
+              <a:t>Encryption method</a:t>
+            </a:r>
+          </a:p>
+          <a:p>
+            <a:pPr lvl="1"/>
+            <a:r>
+              <a:rPr lang="en-US" dirty="0"/>
+              <a:t>Public / private key </a:t>
+            </a:r>
+          </a:p>
+          <a:p>
+            <a:pPr lvl="2"/>
+            <a:r>
+              <a:rPr lang="en-US" dirty="0"/>
+              <a:t>Private allows you to write to the ledger (spend money)</a:t>
+            </a:r>
+          </a:p>
+          <a:p>
+            <a:pPr lvl="2"/>
+            <a:r>
+              <a:rPr lang="en-US" dirty="0"/>
+              <a:t>Public allows others to send you money (as only you can access it)</a:t>
+            </a:r>
+          </a:p>
+          <a:p>
+            <a:r>
+              <a:rPr lang="en-US" dirty="0"/>
+              <a:t>Confirmation</a:t>
+            </a:r>
+          </a:p>
+          <a:p>
+            <a:pPr lvl="1"/>
+            <a:r>
+              <a:rPr lang="en-US" dirty="0"/>
+              <a:t>Mining Blocks</a:t>
+            </a:r>
+          </a:p>
+        </p:txBody>
+      </p:sp>
+    </p:spTree>
+    <p:extLst>
+      <p:ext uri="{BB962C8B-B14F-4D97-AF65-F5344CB8AC3E}">
+        <p14:creationId xmlns:p14="http://schemas.microsoft.com/office/powerpoint/2010/main" val="806897976"/>
+      </p:ext>
+    </p:extLst>
+  </p:cSld>
+  <p:clrMapOvr>
+    <a:masterClrMapping/>
+  </p:clrMapOvr>
+  <p:transition>
+    <p:fade/>
+  </p:transition>
+</p:sld>
+</file>
+
+<file path=ppt/slides/slide11.xml><?xml version="1.0" encoding="utf-8"?>
+<p:sld xmlns:a="http://schemas.openxmlformats.org/drawingml/2006/main" xmlns:r="http://schemas.openxmlformats.org/officeDocument/2006/relationships" xmlns:p="http://schemas.openxmlformats.org/presentationml/2006/main">
+  <p:cSld>
+    <p:spTree>
+      <p:nvGrpSpPr>
+        <p:cNvPr id="1" name=""/>
+        <p:cNvGrpSpPr/>
+        <p:nvPr/>
+      </p:nvGrpSpPr>
+      <p:grpSpPr>
+        <a:xfrm>
+          <a:off x="0" y="0"/>
+          <a:ext cx="0" cy="0"/>
+          <a:chOff x="0" y="0"/>
+          <a:chExt cx="0" cy="0"/>
+        </a:xfrm>
+      </p:grpSpPr>
+      <p:sp>
+        <p:nvSpPr>
+          <p:cNvPr id="2" name="Title 1">
+            <a:extLst>
+              <a:ext uri="{FF2B5EF4-FFF2-40B4-BE49-F238E27FC236}">
+                <a16:creationId xmlns:a16="http://schemas.microsoft.com/office/drawing/2014/main" id="{F4F77D82-CB56-2E40-AE47-8381DA31DE08}"/>
+              </a:ext>
+            </a:extLst>
+          </p:cNvPr>
+          <p:cNvSpPr>
+            <a:spLocks noGrp="1"/>
+          </p:cNvSpPr>
+          <p:nvPr>
+            <p:ph type="title"/>
+          </p:nvPr>
+        </p:nvSpPr>
+        <p:spPr/>
+        <p:txBody>
+          <a:bodyPr/>
+          <a:lstStyle/>
+          <a:p>
+            <a:r>
+              <a:rPr lang="en-US" dirty="0"/>
+              <a:t>Smart Contract Blockchains</a:t>
+            </a:r>
+          </a:p>
+        </p:txBody>
+      </p:sp>
+      <p:sp>
+        <p:nvSpPr>
+          <p:cNvPr id="3" name="Text Placeholder 2">
+            <a:extLst>
+              <a:ext uri="{FF2B5EF4-FFF2-40B4-BE49-F238E27FC236}">
+                <a16:creationId xmlns:a16="http://schemas.microsoft.com/office/drawing/2014/main" id="{53820378-7E29-8842-A99C-9BCC3D8B1AAD}"/>
+              </a:ext>
+            </a:extLst>
+          </p:cNvPr>
+          <p:cNvSpPr>
+            <a:spLocks noGrp="1"/>
+          </p:cNvSpPr>
+          <p:nvPr>
+            <p:ph type="body" idx="1"/>
+          </p:nvPr>
+        </p:nvSpPr>
+        <p:spPr>
+          <a:xfrm>
+            <a:off x="628075" y="1920725"/>
+            <a:ext cx="12561413" cy="5202564"/>
+          </a:xfrm>
+        </p:spPr>
+        <p:txBody>
+          <a:bodyPr/>
+          <a:lstStyle/>
+          <a:p>
+            <a:r>
+              <a:rPr lang="en-US" dirty="0"/>
+              <a:t>Smart Contracts</a:t>
+            </a:r>
+          </a:p>
+          <a:p>
+            <a:pPr lvl="1"/>
+            <a:r>
+              <a:rPr lang="en-US" dirty="0"/>
+              <a:t>Code that is stored with the ‘block’, executed upon completion of transaction</a:t>
+            </a:r>
+          </a:p>
+          <a:p>
+            <a:pPr lvl="1"/>
+            <a:r>
+              <a:rPr lang="en-US" dirty="0"/>
+              <a:t>Examples:</a:t>
+            </a:r>
+          </a:p>
+          <a:p>
+            <a:pPr lvl="2"/>
+            <a:r>
+              <a:rPr lang="en-US" dirty="0"/>
+              <a:t>You use Ethereum to purchase a cupcake at a vending machine</a:t>
+            </a:r>
+          </a:p>
+          <a:p>
+            <a:pPr lvl="2"/>
+            <a:r>
+              <a:rPr lang="en-US" dirty="0"/>
+              <a:t>The transaction completes - the cupcake is dropped</a:t>
+            </a:r>
+          </a:p>
+          <a:p>
+            <a:pPr lvl="3"/>
+            <a:r>
+              <a:rPr lang="en-US" dirty="0"/>
+              <a:t>No way to interrupt the transaction after progress</a:t>
+            </a:r>
+          </a:p>
+          <a:p>
+            <a:pPr lvl="3"/>
+            <a:r>
+              <a:rPr lang="en-US" dirty="0"/>
+              <a:t>No ‘middleman’ or middleware </a:t>
+            </a:r>
+          </a:p>
+          <a:p>
+            <a:r>
+              <a:rPr lang="en-US" dirty="0"/>
+              <a:t>Non-Fungible-Tokens</a:t>
+            </a:r>
+          </a:p>
+          <a:p>
+            <a:pPr lvl="1"/>
+            <a:r>
+              <a:rPr lang="en-US" dirty="0"/>
+              <a:t>Encrypts digital content</a:t>
+            </a:r>
+          </a:p>
+          <a:p>
+            <a:pPr lvl="1"/>
+            <a:r>
+              <a:rPr lang="en-US" dirty="0"/>
+              <a:t>Using public/private key pairing – effectively “signs” that artwork</a:t>
+            </a:r>
+          </a:p>
+          <a:p>
+            <a:pPr lvl="1"/>
+            <a:r>
+              <a:rPr lang="en-US" dirty="0"/>
+              <a:t>Confirms unique piece</a:t>
+            </a:r>
+          </a:p>
+          <a:p>
+            <a:pPr lvl="2"/>
+            <a:r>
+              <a:rPr lang="en-US" dirty="0"/>
+              <a:t>sort of – what if the artist continues to sell?</a:t>
+            </a:r>
+          </a:p>
+        </p:txBody>
+      </p:sp>
+    </p:spTree>
+    <p:extLst>
+      <p:ext uri="{BB962C8B-B14F-4D97-AF65-F5344CB8AC3E}">
+        <p14:creationId xmlns:p14="http://schemas.microsoft.com/office/powerpoint/2010/main" val="670934787"/>
+      </p:ext>
+    </p:extLst>
+  </p:cSld>
+  <p:clrMapOvr>
+    <a:masterClrMapping/>
+  </p:clrMapOvr>
+  <p:transition>
+    <p:fade/>
+  </p:transition>
+</p:sld>
+</file>
+
 <file path=ppt/slides/slide2.xml><?xml version="1.0" encoding="utf-8"?>
+<p:sld xmlns:a="http://schemas.openxmlformats.org/drawingml/2006/main" xmlns:r="http://schemas.openxmlformats.org/officeDocument/2006/relationships" xmlns:p="http://schemas.openxmlformats.org/presentationml/2006/main">
+  <p:cSld>
+    <p:spTree>
+      <p:nvGrpSpPr>
+        <p:cNvPr id="1" name=""/>
+        <p:cNvGrpSpPr/>
+        <p:nvPr/>
+      </p:nvGrpSpPr>
+      <p:grpSpPr>
+        <a:xfrm>
+          <a:off x="0" y="0"/>
+          <a:ext cx="0" cy="0"/>
+          <a:chOff x="0" y="0"/>
+          <a:chExt cx="0" cy="0"/>
+        </a:xfrm>
+      </p:grpSpPr>
+      <p:sp>
+        <p:nvSpPr>
+          <p:cNvPr id="4" name="Title 3">
+            <a:extLst>
+              <a:ext uri="{FF2B5EF4-FFF2-40B4-BE49-F238E27FC236}">
+                <a16:creationId xmlns:a16="http://schemas.microsoft.com/office/drawing/2014/main" id="{119AD8F2-D5DB-A84B-A5B3-F7935E3E6D1D}"/>
+              </a:ext>
+            </a:extLst>
+          </p:cNvPr>
+          <p:cNvSpPr>
+            <a:spLocks noGrp="1"/>
+          </p:cNvSpPr>
+          <p:nvPr>
+            <p:ph type="title"/>
+          </p:nvPr>
+        </p:nvSpPr>
+        <p:spPr>
+          <a:xfrm>
+            <a:off x="628076" y="607804"/>
+            <a:ext cx="5642096" cy="916848"/>
+          </a:xfrm>
+        </p:spPr>
+        <p:txBody>
+          <a:bodyPr/>
+          <a:lstStyle/>
+          <a:p>
+            <a:r>
+              <a:rPr lang="en-US" dirty="0"/>
+              <a:t>Announcements</a:t>
+            </a:r>
+          </a:p>
+        </p:txBody>
+      </p:sp>
+      <p:sp>
+        <p:nvSpPr>
+          <p:cNvPr id="5" name="Text Placeholder 4">
+            <a:extLst>
+              <a:ext uri="{FF2B5EF4-FFF2-40B4-BE49-F238E27FC236}">
+                <a16:creationId xmlns:a16="http://schemas.microsoft.com/office/drawing/2014/main" id="{1BBD0DB5-379A-304F-9307-E7B1A89B08F7}"/>
+              </a:ext>
+            </a:extLst>
+          </p:cNvPr>
+          <p:cNvSpPr>
+            <a:spLocks noGrp="1"/>
+          </p:cNvSpPr>
+          <p:nvPr>
+            <p:ph type="body" idx="1"/>
+          </p:nvPr>
+        </p:nvSpPr>
+        <p:spPr>
+          <a:xfrm>
+            <a:off x="628075" y="1647163"/>
+            <a:ext cx="8395419" cy="3692481"/>
+          </a:xfrm>
+        </p:spPr>
+        <p:txBody>
+          <a:bodyPr/>
+          <a:lstStyle/>
+          <a:p>
+            <a:pPr marL="930762" lvl="1" indent="0">
+              <a:buNone/>
+            </a:pPr>
+            <a:endParaRPr lang="en-US" dirty="0"/>
+          </a:p>
+          <a:p>
+            <a:r>
+              <a:rPr lang="en-US" dirty="0"/>
+              <a:t>Make sure to review knowledge checks and spread out their use! </a:t>
+            </a:r>
+          </a:p>
+          <a:p>
+            <a:pPr lvl="1"/>
+            <a:endParaRPr lang="en-US" dirty="0"/>
+          </a:p>
+          <a:p>
+            <a:pPr lvl="1"/>
+            <a:r>
+              <a:rPr lang="en-US" dirty="0"/>
+              <a:t>HELP DESK CLOSES – December 3</a:t>
+            </a:r>
+            <a:r>
+              <a:rPr lang="en-US" baseline="30000" dirty="0"/>
+              <a:t>rd</a:t>
+            </a:r>
+            <a:r>
+              <a:rPr lang="en-US" dirty="0"/>
+              <a:t>. </a:t>
+            </a:r>
+          </a:p>
+          <a:p>
+            <a:pPr lvl="1"/>
+            <a:r>
+              <a:rPr lang="en-US" dirty="0"/>
+              <a:t>Labs still open until December 8</a:t>
+            </a:r>
+            <a:r>
+              <a:rPr lang="en-US" baseline="30000" dirty="0"/>
+              <a:t>th</a:t>
+            </a:r>
+            <a:r>
+              <a:rPr lang="en-US" dirty="0"/>
+              <a:t>. </a:t>
+            </a:r>
+          </a:p>
+          <a:p>
+            <a:pPr lvl="1"/>
+            <a:r>
+              <a:rPr lang="en-US" dirty="0"/>
+              <a:t>This week – advanced topics</a:t>
+            </a:r>
+          </a:p>
+          <a:p>
+            <a:pPr lvl="2"/>
+            <a:r>
+              <a:rPr lang="en-US" dirty="0"/>
+              <a:t>Thursday essential! </a:t>
+            </a:r>
+          </a:p>
+          <a:p>
+            <a:pPr lvl="1"/>
+            <a:r>
+              <a:rPr lang="en-US" dirty="0"/>
+              <a:t>Next week – review lectures </a:t>
+            </a:r>
+          </a:p>
+        </p:txBody>
+      </p:sp>
+      <p:sp>
+        <p:nvSpPr>
+          <p:cNvPr id="6" name="TextBox 5">
+            <a:extLst>
+              <a:ext uri="{FF2B5EF4-FFF2-40B4-BE49-F238E27FC236}">
+                <a16:creationId xmlns:a16="http://schemas.microsoft.com/office/drawing/2014/main" id="{32A3B87A-BBC0-704B-AC99-3984206450D5}"/>
+              </a:ext>
+            </a:extLst>
+          </p:cNvPr>
+          <p:cNvSpPr txBox="1"/>
+          <p:nvPr/>
+        </p:nvSpPr>
+        <p:spPr>
+          <a:xfrm>
+            <a:off x="9744412" y="1514717"/>
+            <a:ext cx="3892958" cy="3347776"/>
+          </a:xfrm>
+          <a:prstGeom prst="rect">
+            <a:avLst/>
+          </a:prstGeom>
+          <a:noFill/>
+        </p:spPr>
+        <p:txBody>
+          <a:bodyPr wrap="square" rtlCol="0">
+            <a:spAutoFit/>
+          </a:bodyPr>
+          <a:lstStyle/>
+          <a:p>
+            <a:r>
+              <a:rPr lang="en-US" sz="3022" dirty="0" err="1"/>
+              <a:t>Todo</a:t>
+            </a:r>
+            <a:r>
+              <a:rPr lang="en-US" sz="3022" dirty="0"/>
+              <a:t>:</a:t>
+            </a:r>
+          </a:p>
+          <a:p>
+            <a:r>
+              <a:rPr lang="en-US" sz="3022" dirty="0"/>
+              <a:t>Should be done with coding half of practical</a:t>
+            </a:r>
+          </a:p>
+          <a:p>
+            <a:endParaRPr lang="en-US" sz="3022" dirty="0"/>
+          </a:p>
+          <a:p>
+            <a:r>
+              <a:rPr lang="en-US" sz="3022" dirty="0"/>
+              <a:t>Work on practical paper!</a:t>
+            </a:r>
+          </a:p>
+        </p:txBody>
+      </p:sp>
+      <p:sp>
+        <p:nvSpPr>
+          <p:cNvPr id="3" name="TextBox 2">
+            <a:extLst>
+              <a:ext uri="{FF2B5EF4-FFF2-40B4-BE49-F238E27FC236}">
+                <a16:creationId xmlns:a16="http://schemas.microsoft.com/office/drawing/2014/main" id="{219403AF-FCA0-4FAD-B2CD-E3D24CF8DD27}"/>
+              </a:ext>
+            </a:extLst>
+          </p:cNvPr>
+          <p:cNvSpPr txBox="1"/>
+          <p:nvPr/>
+        </p:nvSpPr>
+        <p:spPr>
+          <a:xfrm>
+            <a:off x="628076" y="5487214"/>
+            <a:ext cx="11926781" cy="1631216"/>
+          </a:xfrm>
+          <a:prstGeom prst="rect">
+            <a:avLst/>
+          </a:prstGeom>
+          <a:noFill/>
+        </p:spPr>
+        <p:txBody>
+          <a:bodyPr wrap="square" rtlCol="0">
+            <a:spAutoFit/>
+          </a:bodyPr>
+          <a:lstStyle/>
+          <a:p>
+            <a:r>
+              <a:rPr lang="en-US" dirty="0"/>
+              <a:t>CS 164 – Next Course In Sequence, also consider CS 220 (math and stats especially) </a:t>
+            </a:r>
+          </a:p>
+          <a:p>
+            <a:pPr marL="342900" indent="-342900">
+              <a:buFont typeface="Arial" panose="020B0604020202020204" pitchFamily="34" charset="0"/>
+              <a:buChar char="•"/>
+            </a:pPr>
+            <a:r>
+              <a:rPr lang="en-US" dirty="0"/>
+              <a:t>CO Jobs Report 2021 – 77% of *all* new jobs in Colorado require programming</a:t>
+            </a:r>
+          </a:p>
+          <a:p>
+            <a:pPr marL="342900" indent="-342900">
+              <a:buFont typeface="Arial" panose="020B0604020202020204" pitchFamily="34" charset="0"/>
+              <a:buChar char="•"/>
+            </a:pPr>
+            <a:r>
+              <a:rPr lang="en-US" dirty="0"/>
+              <a:t>60% of all STEM jobs requires *advanced* (200-300 level) </a:t>
+            </a:r>
+          </a:p>
+          <a:p>
+            <a:pPr marL="342900" indent="-342900">
+              <a:buFont typeface="Arial" panose="020B0604020202020204" pitchFamily="34" charset="0"/>
+              <a:buChar char="•"/>
+            </a:pPr>
+            <a:r>
+              <a:rPr lang="en-US" dirty="0"/>
+              <a:t>31% of all Bachelor of Arts degree titled jobs also required coding skills </a:t>
+            </a:r>
+          </a:p>
+          <a:p>
+            <a:pPr marL="342900" indent="-342900">
+              <a:buFont typeface="Arial" panose="020B0604020202020204" pitchFamily="34" charset="0"/>
+              <a:buChar char="•"/>
+            </a:pPr>
+            <a:r>
+              <a:rPr lang="en-US" dirty="0"/>
+              <a:t>2016 Report found on average jobs that require coding skills paid $22,000 more</a:t>
+            </a:r>
+          </a:p>
+        </p:txBody>
+      </p:sp>
+      <p:sp>
+        <p:nvSpPr>
+          <p:cNvPr id="7" name="TextBox 6">
+            <a:extLst>
+              <a:ext uri="{FF2B5EF4-FFF2-40B4-BE49-F238E27FC236}">
+                <a16:creationId xmlns:a16="http://schemas.microsoft.com/office/drawing/2014/main" id="{BF16D510-BC74-4FA5-AFD2-193B039115A5}"/>
+              </a:ext>
+            </a:extLst>
+          </p:cNvPr>
+          <p:cNvSpPr txBox="1"/>
+          <p:nvPr/>
+        </p:nvSpPr>
+        <p:spPr>
+          <a:xfrm>
+            <a:off x="7228114" y="362857"/>
+            <a:ext cx="6125029" cy="707886"/>
+          </a:xfrm>
+          <a:prstGeom prst="rect">
+            <a:avLst/>
+          </a:prstGeom>
+          <a:solidFill>
+            <a:schemeClr val="accent2"/>
+          </a:solidFill>
+        </p:spPr>
+        <p:txBody>
+          <a:bodyPr wrap="square" rtlCol="0">
+            <a:spAutoFit/>
+          </a:bodyPr>
+          <a:lstStyle/>
+          <a:p>
+            <a:r>
+              <a:rPr lang="en-US" b="1" dirty="0"/>
+              <a:t>Opening Question: </a:t>
+            </a:r>
+          </a:p>
+          <a:p>
+            <a:r>
+              <a:rPr lang="en-US" dirty="0"/>
+              <a:t>How far are you on the practical project?</a:t>
+            </a:r>
+          </a:p>
+        </p:txBody>
+      </p:sp>
+    </p:spTree>
+    <p:extLst>
+      <p:ext uri="{BB962C8B-B14F-4D97-AF65-F5344CB8AC3E}">
+        <p14:creationId xmlns:p14="http://schemas.microsoft.com/office/powerpoint/2010/main" val="926474781"/>
+      </p:ext>
+    </p:extLst>
+  </p:cSld>
+  <p:clrMapOvr>
+    <a:masterClrMapping/>
+  </p:clrMapOvr>
+  <p:transition>
+    <p:fade/>
+  </p:transition>
+</p:sld>
+</file>
+
+<file path=ppt/slides/slide3.xml><?xml version="1.0" encoding="utf-8"?>
 <p:sld xmlns:a="http://schemas.openxmlformats.org/drawingml/2006/main" xmlns:r="http://schemas.openxmlformats.org/officeDocument/2006/relationships" xmlns:p="http://schemas.openxmlformats.org/presentationml/2006/main">
   <p:cSld>
     <p:spTree>
@@ -8385,7 +8843,7 @@
 </p:sld>
 </file>
 
-<file path=ppt/slides/slide3.xml><?xml version="1.0" encoding="utf-8"?>
+<file path=ppt/slides/slide4.xml><?xml version="1.0" encoding="utf-8"?>
 <p:sld xmlns:a="http://schemas.openxmlformats.org/drawingml/2006/main" xmlns:r="http://schemas.openxmlformats.org/officeDocument/2006/relationships" xmlns:p="http://schemas.openxmlformats.org/presentationml/2006/main">
   <p:cSld>
     <p:spTree>
@@ -8570,7 +9028,7 @@
 </p:sld>
 </file>
 
-<file path=ppt/slides/slide4.xml><?xml version="1.0" encoding="utf-8"?>
+<file path=ppt/slides/slide5.xml><?xml version="1.0" encoding="utf-8"?>
 <p:sld xmlns:a="http://schemas.openxmlformats.org/drawingml/2006/main" xmlns:r="http://schemas.openxmlformats.org/officeDocument/2006/relationships" xmlns:p="http://schemas.openxmlformats.org/presentationml/2006/main">
   <p:cSld>
     <p:spTree>
@@ -8803,59 +9261,59 @@
               <a:buNone/>
             </a:pPr>
             <a:r>
-              <a:rPr lang="en"/>
-              <a:t>Send Hash Separately (or even post it publically) </a:t>
-            </a:r>
-            <a:endParaRPr/>
+              <a:rPr lang="en" dirty="0"/>
+              <a:t>Send Hash Separately (or even post it publicly) </a:t>
+            </a:r>
+            <a:endParaRPr dirty="0"/>
           </a:p>
           <a:p>
             <a:pPr marL="0" indent="0">
               <a:buNone/>
             </a:pPr>
             <a:r>
-              <a:rPr lang="en"/>
+              <a:rPr lang="en" dirty="0"/>
               <a:t>dad18f1e2410a1955b93b13537c783fbf44b52bdcb1fbde59bcd9de25028c4ae</a:t>
             </a:r>
-            <a:endParaRPr/>
+            <a:endParaRPr dirty="0"/>
           </a:p>
           <a:p>
             <a:pPr marL="0" indent="0">
               <a:buNone/>
             </a:pPr>
-            <a:endParaRPr/>
+            <a:endParaRPr dirty="0"/>
           </a:p>
           <a:p>
             <a:pPr marL="0" indent="0">
               <a:buNone/>
             </a:pPr>
             <a:r>
-              <a:rPr lang="en"/>
+              <a:rPr lang="en" dirty="0"/>
               <a:t>Client Checks Hash:</a:t>
             </a:r>
-            <a:endParaRPr/>
+            <a:endParaRPr dirty="0"/>
           </a:p>
           <a:p>
             <a:pPr marL="0" indent="0">
               <a:buNone/>
             </a:pPr>
             <a:r>
-              <a:rPr lang="en"/>
+              <a:rPr lang="en" dirty="0"/>
               <a:t>ae3700ed06626b431c3abaf48563bb47ae1f4e545ce8365ac8eca62f980f730d</a:t>
             </a:r>
-            <a:endParaRPr/>
+            <a:endParaRPr dirty="0"/>
           </a:p>
           <a:p>
             <a:pPr marL="0" indent="0">
               <a:buNone/>
             </a:pPr>
-            <a:endParaRPr/>
-          </a:p>
-          <a:p>
-            <a:r>
-              <a:rPr lang="en"/>
-              <a:t>Hashes are unique to CONTENT - even changing one character changes the hash!</a:t>
-            </a:r>
-            <a:endParaRPr/>
+            <a:endParaRPr dirty="0"/>
+          </a:p>
+          <a:p>
+            <a:r>
+              <a:rPr lang="en" dirty="0"/>
+              <a:t>Hashes are (mostly) unique to CONTENT - even changing one character changes the hash!</a:t>
+            </a:r>
+            <a:endParaRPr dirty="0"/>
           </a:p>
           <a:p>
             <a:pPr>
@@ -8864,10 +9322,10 @@
               </a:spcBef>
             </a:pPr>
             <a:r>
-              <a:rPr lang="en"/>
+              <a:rPr lang="en" dirty="0"/>
               <a:t>Hashes are for checking consistency, not to hide contents</a:t>
             </a:r>
-            <a:endParaRPr/>
+            <a:endParaRPr dirty="0"/>
           </a:p>
           <a:p>
             <a:pPr>
@@ -8876,10 +9334,10 @@
               </a:spcBef>
             </a:pPr>
             <a:r>
-              <a:rPr lang="en"/>
+              <a:rPr lang="en" dirty="0"/>
               <a:t>SHA-3 (newest), md5 still common</a:t>
             </a:r>
-            <a:endParaRPr/>
+            <a:endParaRPr dirty="0"/>
           </a:p>
         </p:txBody>
       </p:sp>
@@ -8891,7 +9349,7 @@
 </p:sld>
 </file>
 
-<file path=ppt/slides/slide5.xml><?xml version="1.0" encoding="utf-8"?>
+<file path=ppt/slides/slide6.xml><?xml version="1.0" encoding="utf-8"?>
 <p:sld xmlns:a="http://schemas.openxmlformats.org/drawingml/2006/main" xmlns:r="http://schemas.openxmlformats.org/officeDocument/2006/relationships" xmlns:p="http://schemas.openxmlformats.org/presentationml/2006/main">
   <p:cSld>
     <p:spTree>
@@ -9042,1380 +9500,7 @@
 </p:sld>
 </file>
 
-<file path=ppt/slides/slide6.xml><?xml version="1.0" encoding="utf-8"?>
-<p:sld xmlns:a="http://schemas.openxmlformats.org/drawingml/2006/main" xmlns:r="http://schemas.openxmlformats.org/officeDocument/2006/relationships" xmlns:p="http://schemas.openxmlformats.org/presentationml/2006/main">
-  <p:cSld>
-    <p:spTree>
-      <p:nvGrpSpPr>
-        <p:cNvPr id="1" name="Shape 223"/>
-        <p:cNvGrpSpPr/>
-        <p:nvPr/>
-      </p:nvGrpSpPr>
-      <p:grpSpPr>
-        <a:xfrm>
-          <a:off x="0" y="0"/>
-          <a:ext cx="0" cy="0"/>
-          <a:chOff x="0" y="0"/>
-          <a:chExt cx="0" cy="0"/>
-        </a:xfrm>
-      </p:grpSpPr>
-      <p:sp>
-        <p:nvSpPr>
-          <p:cNvPr id="224" name="Google Shape;224;p44"/>
-          <p:cNvSpPr txBox="1">
-            <a:spLocks noGrp="1"/>
-          </p:cNvSpPr>
-          <p:nvPr>
-            <p:ph type="title"/>
-          </p:nvPr>
-        </p:nvSpPr>
-        <p:spPr>
-          <a:xfrm>
-            <a:off x="628075" y="751389"/>
-            <a:ext cx="12561413" cy="1015467"/>
-          </a:xfrm>
-          <a:prstGeom prst="rect">
-            <a:avLst/>
-          </a:prstGeom>
-        </p:spPr>
-        <p:txBody>
-          <a:bodyPr spcFirstLastPara="1" vert="horz" wrap="square" lIns="91422" tIns="91422" rIns="91422" bIns="91422" rtlCol="0" anchor="b" anchorCtr="0">
-            <a:noAutofit/>
-          </a:bodyPr>
-          <a:lstStyle/>
-          <a:p>
-            <a:r>
-              <a:rPr lang="en"/>
-              <a:t>Transport Layer Security </a:t>
-            </a:r>
-            <a:endParaRPr/>
-          </a:p>
-        </p:txBody>
-      </p:sp>
-      <p:sp>
-        <p:nvSpPr>
-          <p:cNvPr id="225" name="Google Shape;225;p44"/>
-          <p:cNvSpPr txBox="1">
-            <a:spLocks noGrp="1"/>
-          </p:cNvSpPr>
-          <p:nvPr>
-            <p:ph type="body" idx="1"/>
-          </p:nvPr>
-        </p:nvSpPr>
-        <p:spPr>
-          <a:xfrm>
-            <a:off x="628093" y="2095155"/>
-            <a:ext cx="7212080" cy="4147547"/>
-          </a:xfrm>
-          <a:prstGeom prst="rect">
-            <a:avLst/>
-          </a:prstGeom>
-        </p:spPr>
-        <p:txBody>
-          <a:bodyPr spcFirstLastPara="1" vert="horz" wrap="square" lIns="91422" tIns="91422" rIns="91422" bIns="91422" rtlCol="0" anchor="t" anchorCtr="0">
-            <a:noAutofit/>
-          </a:bodyPr>
-          <a:lstStyle/>
-          <a:p>
-            <a:pPr indent="-479774">
-              <a:buSzPts val="1400"/>
-              <a:buChar char="●"/>
-            </a:pPr>
-            <a:r>
-              <a:rPr lang="en" sz="2116"/>
-              <a:t>Protocol</a:t>
-            </a:r>
-            <a:endParaRPr sz="2116"/>
-          </a:p>
-          <a:p>
-            <a:pPr lvl="1" indent="-470179">
-              <a:spcBef>
-                <a:spcPts val="0"/>
-              </a:spcBef>
-              <a:buSzPts val="1300"/>
-              <a:buChar char="○"/>
-            </a:pPr>
-            <a:r>
-              <a:rPr lang="en" sz="1964"/>
-              <a:t>Used </a:t>
-            </a:r>
-            <a:r>
-              <a:rPr lang="en" sz="1964" b="1" u="sng"/>
-              <a:t>on top</a:t>
-            </a:r>
-            <a:r>
-              <a:rPr lang="en" sz="1964"/>
-              <a:t> of the web protocols (www, IP, etc)</a:t>
-            </a:r>
-            <a:endParaRPr sz="1964"/>
-          </a:p>
-          <a:p>
-            <a:pPr indent="-479774">
-              <a:spcBef>
-                <a:spcPts val="0"/>
-              </a:spcBef>
-              <a:buSzPts val="1400"/>
-              <a:buChar char="●"/>
-            </a:pPr>
-            <a:r>
-              <a:rPr lang="en" sz="2116"/>
-              <a:t>Stages:</a:t>
-            </a:r>
-            <a:endParaRPr sz="2116"/>
-          </a:p>
-          <a:p>
-            <a:pPr lvl="1" indent="-470179">
-              <a:spcBef>
-                <a:spcPts val="0"/>
-              </a:spcBef>
-              <a:buSzPts val="1300"/>
-              <a:buChar char="○"/>
-            </a:pPr>
-            <a:r>
-              <a:rPr lang="en" sz="1964"/>
-              <a:t>Handshake</a:t>
-            </a:r>
-            <a:endParaRPr sz="1964"/>
-          </a:p>
-          <a:p>
-            <a:pPr lvl="2" indent="-470179">
-              <a:spcBef>
-                <a:spcPts val="0"/>
-              </a:spcBef>
-              <a:buSzPts val="1300"/>
-              <a:buChar char="■"/>
-            </a:pPr>
-            <a:r>
-              <a:rPr lang="en" sz="1964"/>
-              <a:t>Double check certificate</a:t>
-            </a:r>
-            <a:endParaRPr sz="1964"/>
-          </a:p>
-          <a:p>
-            <a:pPr lvl="2" indent="-470179">
-              <a:spcBef>
-                <a:spcPts val="0"/>
-              </a:spcBef>
-              <a:buSzPts val="1300"/>
-              <a:buChar char="■"/>
-            </a:pPr>
-            <a:r>
-              <a:rPr lang="en" sz="1964"/>
-              <a:t>Figure out encryption key</a:t>
-            </a:r>
-            <a:endParaRPr sz="1964"/>
-          </a:p>
-          <a:p>
-            <a:pPr lvl="1" indent="-470179">
-              <a:spcBef>
-                <a:spcPts val="0"/>
-              </a:spcBef>
-              <a:buSzPts val="1300"/>
-              <a:buChar char="○"/>
-            </a:pPr>
-            <a:r>
-              <a:rPr lang="en" sz="1964"/>
-              <a:t>Connection is now encrypted for a limited time</a:t>
-            </a:r>
-            <a:endParaRPr sz="1964"/>
-          </a:p>
-          <a:p>
-            <a:pPr indent="-479774">
-              <a:spcBef>
-                <a:spcPts val="0"/>
-              </a:spcBef>
-              <a:buSzPts val="1400"/>
-              <a:buChar char="●"/>
-            </a:pPr>
-            <a:r>
-              <a:rPr lang="en" sz="2116"/>
-              <a:t>We see it as: HTTPS</a:t>
-            </a:r>
-            <a:endParaRPr sz="2116"/>
-          </a:p>
-          <a:p>
-            <a:pPr indent="-479774">
-              <a:spcBef>
-                <a:spcPts val="0"/>
-              </a:spcBef>
-              <a:buSzPts val="1400"/>
-              <a:buChar char="●"/>
-            </a:pPr>
-            <a:r>
-              <a:rPr lang="en" sz="2116"/>
-              <a:t>Also used in Virtual Private Networks (VPNs)</a:t>
-            </a:r>
-            <a:endParaRPr sz="2116"/>
-          </a:p>
-        </p:txBody>
-      </p:sp>
-      <p:sp>
-        <p:nvSpPr>
-          <p:cNvPr id="226" name="Google Shape;226;p44"/>
-          <p:cNvSpPr txBox="1"/>
-          <p:nvPr/>
-        </p:nvSpPr>
-        <p:spPr>
-          <a:xfrm>
-            <a:off x="628093" y="6242702"/>
-            <a:ext cx="4776320" cy="1015467"/>
-          </a:xfrm>
-          <a:prstGeom prst="rect">
-            <a:avLst/>
-          </a:prstGeom>
-          <a:noFill/>
-          <a:ln>
-            <a:noFill/>
-          </a:ln>
-        </p:spPr>
-        <p:txBody>
-          <a:bodyPr spcFirstLastPara="1" wrap="square" lIns="138153" tIns="138153" rIns="138153" bIns="138153" anchor="t" anchorCtr="0">
-            <a:noAutofit/>
-          </a:bodyPr>
-          <a:lstStyle/>
-          <a:p>
-            <a:r>
-              <a:rPr lang="en" sz="1209">
-                <a:latin typeface="Proxima Nova"/>
-                <a:ea typeface="Proxima Nova"/>
-                <a:cs typeface="Proxima Nova"/>
-                <a:sym typeface="Proxima Nova"/>
-              </a:rPr>
-              <a:t>Further Reading: </a:t>
-            </a:r>
-            <a:r>
-              <a:rPr lang="en" sz="1209" u="sng">
-                <a:solidFill>
-                  <a:schemeClr val="hlink"/>
-                </a:solidFill>
-                <a:hlinkClick r:id="rId3"/>
-              </a:rPr>
-              <a:t>https://en.wikipedia.org/wiki/Transport_Layer_Security</a:t>
-            </a:r>
-            <a:br>
-              <a:rPr lang="en" sz="1209">
-                <a:latin typeface="Proxima Nova"/>
-                <a:ea typeface="Proxima Nova"/>
-                <a:cs typeface="Proxima Nova"/>
-                <a:sym typeface="Proxima Nova"/>
-              </a:rPr>
-            </a:br>
-            <a:r>
-              <a:rPr lang="en" sz="1209" u="sng">
-                <a:solidFill>
-                  <a:schemeClr val="hlink"/>
-                </a:solidFill>
-                <a:latin typeface="Proxima Nova"/>
-                <a:ea typeface="Proxima Nova"/>
-                <a:cs typeface="Proxima Nova"/>
-                <a:sym typeface="Proxima Nova"/>
-                <a:hlinkClick r:id="rId4"/>
-              </a:rPr>
-              <a:t>https://spreadprivacy.com/what-do-security-certificates-do/</a:t>
-            </a:r>
-            <a:endParaRPr sz="1209">
-              <a:latin typeface="Proxima Nova"/>
-              <a:ea typeface="Proxima Nova"/>
-              <a:cs typeface="Proxima Nova"/>
-              <a:sym typeface="Proxima Nova"/>
-            </a:endParaRPr>
-          </a:p>
-          <a:p>
-            <a:br>
-              <a:rPr lang="en" sz="1209">
-                <a:latin typeface="Proxima Nova"/>
-                <a:ea typeface="Proxima Nova"/>
-                <a:cs typeface="Proxima Nova"/>
-                <a:sym typeface="Proxima Nova"/>
-              </a:rPr>
-            </a:br>
-            <a:endParaRPr sz="1209">
-              <a:latin typeface="Proxima Nova"/>
-              <a:ea typeface="Proxima Nova"/>
-              <a:cs typeface="Proxima Nova"/>
-              <a:sym typeface="Proxima Nova"/>
-            </a:endParaRPr>
-          </a:p>
-        </p:txBody>
-      </p:sp>
-      <p:pic>
-        <p:nvPicPr>
-          <p:cNvPr id="227" name="Google Shape;227;p44" descr="Information for spread privacy.com.  Issued by: CloudFlare inc ECC CA-2"/>
-          <p:cNvPicPr preferRelativeResize="0"/>
-          <p:nvPr/>
-        </p:nvPicPr>
-        <p:blipFill>
-          <a:blip r:embed="rId5">
-            <a:alphaModFix/>
-          </a:blip>
-          <a:stretch>
-            <a:fillRect/>
-          </a:stretch>
-        </p:blipFill>
-        <p:spPr>
-          <a:xfrm>
-            <a:off x="9191655" y="621358"/>
-            <a:ext cx="4475564" cy="4357528"/>
-          </a:xfrm>
-          <a:prstGeom prst="rect">
-            <a:avLst/>
-          </a:prstGeom>
-          <a:noFill/>
-          <a:ln>
-            <a:noFill/>
-          </a:ln>
-        </p:spPr>
-      </p:pic>
-      <p:sp>
-        <p:nvSpPr>
-          <p:cNvPr id="228" name="Google Shape;228;p44"/>
-          <p:cNvSpPr txBox="1"/>
-          <p:nvPr/>
-        </p:nvSpPr>
-        <p:spPr>
-          <a:xfrm>
-            <a:off x="9191560" y="5601689"/>
-            <a:ext cx="4475760" cy="1656480"/>
-          </a:xfrm>
-          <a:prstGeom prst="rect">
-            <a:avLst/>
-          </a:prstGeom>
-          <a:noFill/>
-          <a:ln>
-            <a:noFill/>
-          </a:ln>
-        </p:spPr>
-        <p:txBody>
-          <a:bodyPr spcFirstLastPara="1" wrap="square" lIns="138153" tIns="138153" rIns="138153" bIns="138153" anchor="t" anchorCtr="0">
-            <a:noAutofit/>
-          </a:bodyPr>
-          <a:lstStyle/>
-          <a:p>
-            <a:r>
-              <a:rPr lang="en" sz="1662">
-                <a:solidFill>
-                  <a:schemeClr val="dk1"/>
-                </a:solidFill>
-                <a:latin typeface="Proxima Nova"/>
-                <a:ea typeface="Proxima Nova"/>
-                <a:cs typeface="Proxima Nova"/>
-                <a:sym typeface="Proxima Nova"/>
-              </a:rPr>
-              <a:t>Side comment: it is possible to spoof certificates or root them. CS 356 and the CS 456 are great classes to learn how (and ways against). Open to minors and majors in CS.</a:t>
-            </a:r>
-            <a:endParaRPr sz="1662">
-              <a:solidFill>
-                <a:schemeClr val="dk1"/>
-              </a:solidFill>
-              <a:latin typeface="Proxima Nova"/>
-              <a:ea typeface="Proxima Nova"/>
-              <a:cs typeface="Proxima Nova"/>
-              <a:sym typeface="Proxima Nova"/>
-            </a:endParaRPr>
-          </a:p>
-        </p:txBody>
-      </p:sp>
-    </p:spTree>
-  </p:cSld>
-  <p:clrMapOvr>
-    <a:masterClrMapping/>
-  </p:clrMapOvr>
-</p:sld>
-</file>
-
 <file path=ppt/slides/slide7.xml><?xml version="1.0" encoding="utf-8"?>
-<p:sld xmlns:a="http://schemas.openxmlformats.org/drawingml/2006/main" xmlns:r="http://schemas.openxmlformats.org/officeDocument/2006/relationships" xmlns:p="http://schemas.openxmlformats.org/presentationml/2006/main">
-  <p:cSld>
-    <p:spTree>
-      <p:nvGrpSpPr>
-        <p:cNvPr id="1" name="Shape 232"/>
-        <p:cNvGrpSpPr/>
-        <p:nvPr/>
-      </p:nvGrpSpPr>
-      <p:grpSpPr>
-        <a:xfrm>
-          <a:off x="0" y="0"/>
-          <a:ext cx="0" cy="0"/>
-          <a:chOff x="0" y="0"/>
-          <a:chExt cx="0" cy="0"/>
-        </a:xfrm>
-      </p:grpSpPr>
-      <p:sp>
-        <p:nvSpPr>
-          <p:cNvPr id="233" name="Google Shape;233;p45"/>
-          <p:cNvSpPr txBox="1">
-            <a:spLocks noGrp="1"/>
-          </p:cNvSpPr>
-          <p:nvPr>
-            <p:ph type="title"/>
-          </p:nvPr>
-        </p:nvSpPr>
-        <p:spPr>
-          <a:xfrm>
-            <a:off x="628075" y="751389"/>
-            <a:ext cx="12561413" cy="1015467"/>
-          </a:xfrm>
-          <a:prstGeom prst="rect">
-            <a:avLst/>
-          </a:prstGeom>
-        </p:spPr>
-        <p:txBody>
-          <a:bodyPr spcFirstLastPara="1" vert="horz" wrap="square" lIns="91422" tIns="91422" rIns="91422" bIns="91422" rtlCol="0" anchor="b" anchorCtr="0">
-            <a:noAutofit/>
-          </a:bodyPr>
-          <a:lstStyle/>
-          <a:p>
-            <a:r>
-              <a:rPr lang="en"/>
-              <a:t>Virtual Private Networks (VPNs)</a:t>
-            </a:r>
-            <a:endParaRPr/>
-          </a:p>
-        </p:txBody>
-      </p:sp>
-      <p:sp>
-        <p:nvSpPr>
-          <p:cNvPr id="234" name="Google Shape;234;p45"/>
-          <p:cNvSpPr txBox="1">
-            <a:spLocks noGrp="1"/>
-          </p:cNvSpPr>
-          <p:nvPr>
-            <p:ph type="body" idx="1"/>
-          </p:nvPr>
-        </p:nvSpPr>
-        <p:spPr>
-          <a:xfrm>
-            <a:off x="628093" y="2217101"/>
-            <a:ext cx="7914747" cy="4793093"/>
-          </a:xfrm>
-          <a:prstGeom prst="rect">
-            <a:avLst/>
-          </a:prstGeom>
-        </p:spPr>
-        <p:txBody>
-          <a:bodyPr spcFirstLastPara="1" vert="horz" wrap="square" lIns="91422" tIns="91422" rIns="91422" bIns="91422" rtlCol="0" anchor="t" anchorCtr="0">
-            <a:noAutofit/>
-          </a:bodyPr>
-          <a:lstStyle/>
-          <a:p>
-            <a:pPr>
-              <a:buChar char="●"/>
-            </a:pPr>
-            <a:r>
-              <a:rPr lang="en" dirty="0"/>
-              <a:t>You First Connect to a VPN Server</a:t>
-            </a:r>
-            <a:endParaRPr dirty="0"/>
-          </a:p>
-          <a:p>
-            <a:pPr lvl="1">
-              <a:spcBef>
-                <a:spcPts val="0"/>
-              </a:spcBef>
-              <a:buChar char="○"/>
-            </a:pPr>
-            <a:r>
-              <a:rPr lang="en" i="1" dirty="0"/>
-              <a:t>Tunnel</a:t>
-            </a:r>
-            <a:r>
-              <a:rPr lang="en" dirty="0"/>
-              <a:t> all information through that server</a:t>
-            </a:r>
-            <a:endParaRPr dirty="0"/>
-          </a:p>
-          <a:p>
-            <a:pPr lvl="1">
-              <a:spcBef>
-                <a:spcPts val="0"/>
-              </a:spcBef>
-              <a:buChar char="○"/>
-            </a:pPr>
-            <a:r>
-              <a:rPr lang="en" dirty="0"/>
-              <a:t>Encrypted tunnel</a:t>
-            </a:r>
-            <a:endParaRPr dirty="0"/>
-          </a:p>
-          <a:p>
-            <a:pPr lvl="1">
-              <a:spcBef>
-                <a:spcPts val="0"/>
-              </a:spcBef>
-              <a:buChar char="○"/>
-            </a:pPr>
-            <a:r>
-              <a:rPr lang="en" dirty="0"/>
-              <a:t>Server then relays info to websites and to you	</a:t>
-            </a:r>
-            <a:endParaRPr dirty="0"/>
-          </a:p>
-          <a:p>
-            <a:pPr>
-              <a:spcBef>
-                <a:spcPts val="0"/>
-              </a:spcBef>
-              <a:buChar char="●"/>
-            </a:pPr>
-            <a:r>
-              <a:rPr lang="en" dirty="0"/>
-              <a:t>CSU Uses one</a:t>
-            </a:r>
-            <a:endParaRPr dirty="0"/>
-          </a:p>
-          <a:p>
-            <a:pPr lvl="1">
-              <a:spcBef>
-                <a:spcPts val="0"/>
-              </a:spcBef>
-              <a:buChar char="○"/>
-            </a:pPr>
-            <a:r>
-              <a:rPr lang="en" dirty="0"/>
-              <a:t>Pulse Secure</a:t>
-            </a:r>
-            <a:endParaRPr dirty="0"/>
-          </a:p>
-          <a:p>
-            <a:pPr lvl="1">
-              <a:spcBef>
-                <a:spcPts val="0"/>
-              </a:spcBef>
-              <a:buChar char="○"/>
-            </a:pPr>
-            <a:r>
-              <a:rPr lang="en" dirty="0"/>
-              <a:t>Uses 2 Factor Authentication</a:t>
-            </a:r>
-            <a:endParaRPr dirty="0"/>
-          </a:p>
-          <a:p>
-            <a:pPr lvl="1">
-              <a:spcBef>
-                <a:spcPts val="0"/>
-              </a:spcBef>
-              <a:buChar char="○"/>
-            </a:pPr>
-            <a:r>
-              <a:rPr lang="en" dirty="0"/>
-              <a:t>Encrypts all traffic</a:t>
-            </a:r>
-            <a:endParaRPr dirty="0"/>
-          </a:p>
-          <a:p>
-            <a:pPr>
-              <a:spcBef>
-                <a:spcPts val="0"/>
-              </a:spcBef>
-              <a:buChar char="●"/>
-            </a:pPr>
-            <a:r>
-              <a:rPr lang="en" dirty="0"/>
-              <a:t>Pros</a:t>
-            </a:r>
-            <a:endParaRPr dirty="0"/>
-          </a:p>
-          <a:p>
-            <a:pPr lvl="1">
-              <a:spcBef>
-                <a:spcPts val="0"/>
-              </a:spcBef>
-              <a:buChar char="○"/>
-            </a:pPr>
-            <a:r>
-              <a:rPr lang="en" dirty="0"/>
-              <a:t>You ‘appear’ from CSU</a:t>
-            </a:r>
-            <a:endParaRPr dirty="0"/>
-          </a:p>
-          <a:p>
-            <a:pPr lvl="1">
-              <a:spcBef>
-                <a:spcPts val="0"/>
-              </a:spcBef>
-              <a:buChar char="○"/>
-            </a:pPr>
-            <a:r>
-              <a:rPr lang="en" dirty="0"/>
-              <a:t>Great for articles, etc</a:t>
-            </a:r>
-            <a:endParaRPr dirty="0"/>
-          </a:p>
-          <a:p>
-            <a:pPr>
-              <a:spcBef>
-                <a:spcPts val="0"/>
-              </a:spcBef>
-              <a:buChar char="●"/>
-            </a:pPr>
-            <a:r>
-              <a:rPr lang="en" dirty="0"/>
-              <a:t>Cons</a:t>
-            </a:r>
-            <a:endParaRPr dirty="0"/>
-          </a:p>
-          <a:p>
-            <a:pPr lvl="1">
-              <a:spcBef>
-                <a:spcPts val="0"/>
-              </a:spcBef>
-              <a:buChar char="○"/>
-            </a:pPr>
-            <a:r>
-              <a:rPr lang="en" dirty="0"/>
-              <a:t>CSU becomes point of failure</a:t>
-            </a:r>
-            <a:endParaRPr dirty="0"/>
-          </a:p>
-          <a:p>
-            <a:pPr lvl="1">
-              <a:spcBef>
-                <a:spcPts val="0"/>
-              </a:spcBef>
-              <a:buChar char="○"/>
-            </a:pPr>
-            <a:r>
-              <a:rPr lang="en" dirty="0"/>
-              <a:t>But they are experts at doing this</a:t>
-            </a:r>
-            <a:endParaRPr dirty="0"/>
-          </a:p>
-          <a:p>
-            <a:pPr>
-              <a:spcBef>
-                <a:spcPts val="0"/>
-              </a:spcBef>
-              <a:buChar char="●"/>
-            </a:pPr>
-            <a:r>
-              <a:rPr lang="en" dirty="0"/>
-              <a:t>Really - Go set it up </a:t>
-            </a:r>
-            <a:endParaRPr dirty="0"/>
-          </a:p>
-        </p:txBody>
-      </p:sp>
-      <p:sp>
-        <p:nvSpPr>
-          <p:cNvPr id="238" name="Google Shape;238;p45"/>
-          <p:cNvSpPr txBox="1"/>
-          <p:nvPr/>
-        </p:nvSpPr>
-        <p:spPr>
-          <a:xfrm>
-            <a:off x="8586964" y="2012347"/>
-            <a:ext cx="1737627" cy="475547"/>
-          </a:xfrm>
-          <a:prstGeom prst="rect">
-            <a:avLst/>
-          </a:prstGeom>
-          <a:noFill/>
-          <a:ln>
-            <a:noFill/>
-          </a:ln>
-        </p:spPr>
-        <p:txBody>
-          <a:bodyPr spcFirstLastPara="1" wrap="square" lIns="138153" tIns="138153" rIns="138153" bIns="138153" anchor="t" anchorCtr="0">
-            <a:noAutofit/>
-          </a:bodyPr>
-          <a:lstStyle/>
-          <a:p>
-            <a:r>
-              <a:rPr lang="en" sz="1511">
-                <a:latin typeface="Proxima Nova"/>
-                <a:ea typeface="Proxima Nova"/>
-                <a:cs typeface="Proxima Nova"/>
-                <a:sym typeface="Proxima Nova"/>
-              </a:rPr>
-              <a:t>Your computer</a:t>
-            </a:r>
-            <a:endParaRPr sz="1511">
-              <a:latin typeface="Proxima Nova"/>
-              <a:ea typeface="Proxima Nova"/>
-              <a:cs typeface="Proxima Nova"/>
-              <a:sym typeface="Proxima Nova"/>
-            </a:endParaRPr>
-          </a:p>
-        </p:txBody>
-      </p:sp>
-      <p:pic>
-        <p:nvPicPr>
-          <p:cNvPr id="244" name="Google Shape;244;p45" descr="login for EID Pulse Client Manual"/>
-          <p:cNvPicPr preferRelativeResize="0"/>
-          <p:nvPr/>
-        </p:nvPicPr>
-        <p:blipFill>
-          <a:blip r:embed="rId3">
-            <a:alphaModFix/>
-          </a:blip>
-          <a:stretch>
-            <a:fillRect/>
-          </a:stretch>
-        </p:blipFill>
-        <p:spPr>
-          <a:xfrm>
-            <a:off x="5095282" y="3795156"/>
-            <a:ext cx="3027810" cy="1176400"/>
-          </a:xfrm>
-          <a:prstGeom prst="rect">
-            <a:avLst/>
-          </a:prstGeom>
-          <a:noFill/>
-          <a:ln>
-            <a:noFill/>
-          </a:ln>
-        </p:spPr>
-      </p:pic>
-      <p:pic>
-        <p:nvPicPr>
-          <p:cNvPr id="245" name="Google Shape;245;p45" descr="Login for eID pulse client manual"/>
-          <p:cNvPicPr preferRelativeResize="0"/>
-          <p:nvPr/>
-        </p:nvPicPr>
-        <p:blipFill>
-          <a:blip r:embed="rId4">
-            <a:alphaModFix/>
-          </a:blip>
-          <a:stretch>
-            <a:fillRect/>
-          </a:stretch>
-        </p:blipFill>
-        <p:spPr>
-          <a:xfrm>
-            <a:off x="5095297" y="4971553"/>
-            <a:ext cx="3027774" cy="1176400"/>
-          </a:xfrm>
-          <a:prstGeom prst="rect">
-            <a:avLst/>
-          </a:prstGeom>
-          <a:noFill/>
-          <a:ln>
-            <a:noFill/>
-          </a:ln>
-        </p:spPr>
-      </p:pic>
-      <p:pic>
-        <p:nvPicPr>
-          <p:cNvPr id="235" name="Google Shape;235;p45" descr="A cartoon computer"/>
-          <p:cNvPicPr preferRelativeResize="0"/>
-          <p:nvPr/>
-        </p:nvPicPr>
-        <p:blipFill>
-          <a:blip r:embed="rId5">
-            <a:alphaModFix/>
-          </a:blip>
-          <a:stretch>
-            <a:fillRect/>
-          </a:stretch>
-        </p:blipFill>
-        <p:spPr>
-          <a:xfrm>
-            <a:off x="8752430" y="2487894"/>
-            <a:ext cx="1176402" cy="1176402"/>
-          </a:xfrm>
-          <a:prstGeom prst="rect">
-            <a:avLst/>
-          </a:prstGeom>
-          <a:noFill/>
-          <a:ln>
-            <a:noFill/>
-          </a:ln>
-        </p:spPr>
-      </p:pic>
-      <p:sp>
-        <p:nvSpPr>
-          <p:cNvPr id="240" name="Google Shape;240;p45"/>
-          <p:cNvSpPr txBox="1"/>
-          <p:nvPr/>
-        </p:nvSpPr>
-        <p:spPr>
-          <a:xfrm>
-            <a:off x="10324591" y="2364002"/>
-            <a:ext cx="2254427" cy="268827"/>
-          </a:xfrm>
-          <a:prstGeom prst="rect">
-            <a:avLst/>
-          </a:prstGeom>
-          <a:noFill/>
-          <a:ln>
-            <a:noFill/>
-          </a:ln>
-        </p:spPr>
-        <p:txBody>
-          <a:bodyPr spcFirstLastPara="1" wrap="square" lIns="138153" tIns="138153" rIns="138153" bIns="138153" anchor="t" anchorCtr="0">
-            <a:noAutofit/>
-          </a:bodyPr>
-          <a:lstStyle/>
-          <a:p>
-            <a:r>
-              <a:rPr lang="en" sz="1813">
-                <a:latin typeface="Proxima Nova"/>
-                <a:ea typeface="Proxima Nova"/>
-                <a:cs typeface="Proxima Nova"/>
-                <a:sym typeface="Proxima Nova"/>
-              </a:rPr>
-              <a:t>Encrypted Connection</a:t>
-            </a:r>
-            <a:endParaRPr sz="1813">
-              <a:latin typeface="Proxima Nova"/>
-              <a:ea typeface="Proxima Nova"/>
-              <a:cs typeface="Proxima Nova"/>
-              <a:sym typeface="Proxima Nova"/>
-            </a:endParaRPr>
-          </a:p>
-        </p:txBody>
-      </p:sp>
-      <p:cxnSp>
-        <p:nvCxnSpPr>
-          <p:cNvPr id="239" name="Google Shape;239;p45">
-            <a:extLst>
-              <a:ext uri="{C183D7F6-B498-43B3-948B-1728B52AA6E4}">
-                <adec:decorative xmlns:adec="http://schemas.microsoft.com/office/drawing/2017/decorative" val="1"/>
-              </a:ext>
-            </a:extLst>
-          </p:cNvPr>
-          <p:cNvCxnSpPr>
-            <a:stCxn id="235" idx="3"/>
-            <a:endCxn id="236" idx="1"/>
-          </p:cNvCxnSpPr>
-          <p:nvPr/>
-        </p:nvCxnSpPr>
-        <p:spPr>
-          <a:xfrm>
-            <a:off x="9928831" y="3076093"/>
-            <a:ext cx="2254427" cy="354507"/>
-          </a:xfrm>
-          <a:prstGeom prst="straightConnector1">
-            <a:avLst/>
-          </a:prstGeom>
-          <a:noFill/>
-          <a:ln w="9525" cap="flat" cmpd="sng">
-            <a:solidFill>
-              <a:schemeClr val="dk2"/>
-            </a:solidFill>
-            <a:prstDash val="solid"/>
-            <a:round/>
-            <a:headEnd type="none" w="med" len="med"/>
-            <a:tailEnd type="triangle" w="med" len="med"/>
-          </a:ln>
-        </p:spPr>
-      </p:cxnSp>
-      <p:pic>
-        <p:nvPicPr>
-          <p:cNvPr id="236" name="Google Shape;236;p45" descr="A VPN tower"/>
-          <p:cNvPicPr preferRelativeResize="0"/>
-          <p:nvPr/>
-        </p:nvPicPr>
-        <p:blipFill>
-          <a:blip r:embed="rId6">
-            <a:alphaModFix/>
-          </a:blip>
-          <a:stretch>
-            <a:fillRect/>
-          </a:stretch>
-        </p:blipFill>
-        <p:spPr>
-          <a:xfrm>
-            <a:off x="12183485" y="2443544"/>
-            <a:ext cx="1403822" cy="1974116"/>
-          </a:xfrm>
-          <a:prstGeom prst="rect">
-            <a:avLst/>
-          </a:prstGeom>
-          <a:noFill/>
-          <a:ln>
-            <a:noFill/>
-          </a:ln>
-        </p:spPr>
-      </p:pic>
-      <p:sp>
-        <p:nvSpPr>
-          <p:cNvPr id="241" name="Google Shape;241;p45"/>
-          <p:cNvSpPr txBox="1"/>
-          <p:nvPr/>
-        </p:nvSpPr>
-        <p:spPr>
-          <a:xfrm>
-            <a:off x="12988907" y="3076093"/>
-            <a:ext cx="828693" cy="354507"/>
-          </a:xfrm>
-          <a:prstGeom prst="rect">
-            <a:avLst/>
-          </a:prstGeom>
-          <a:noFill/>
-          <a:ln>
-            <a:noFill/>
-          </a:ln>
-        </p:spPr>
-        <p:txBody>
-          <a:bodyPr spcFirstLastPara="1" wrap="square" lIns="138153" tIns="138153" rIns="138153" bIns="138153" anchor="t" anchorCtr="0">
-            <a:noAutofit/>
-          </a:bodyPr>
-          <a:lstStyle/>
-          <a:p>
-            <a:r>
-              <a:rPr lang="en" sz="1511">
-                <a:latin typeface="Proxima Nova"/>
-                <a:ea typeface="Proxima Nova"/>
-                <a:cs typeface="Proxima Nova"/>
-                <a:sym typeface="Proxima Nova"/>
-              </a:rPr>
-              <a:t>VPN</a:t>
-            </a:r>
-            <a:endParaRPr sz="1511">
-              <a:latin typeface="Proxima Nova"/>
-              <a:ea typeface="Proxima Nova"/>
-              <a:cs typeface="Proxima Nova"/>
-              <a:sym typeface="Proxima Nova"/>
-            </a:endParaRPr>
-          </a:p>
-        </p:txBody>
-      </p:sp>
-      <p:cxnSp>
-        <p:nvCxnSpPr>
-          <p:cNvPr id="242" name="Google Shape;242;p45">
-            <a:extLst>
-              <a:ext uri="{C183D7F6-B498-43B3-948B-1728B52AA6E4}">
-                <adec:decorative xmlns:adec="http://schemas.microsoft.com/office/drawing/2017/decorative" val="1"/>
-              </a:ext>
-            </a:extLst>
-          </p:cNvPr>
-          <p:cNvCxnSpPr>
-            <a:stCxn id="236" idx="2"/>
-          </p:cNvCxnSpPr>
-          <p:nvPr/>
-        </p:nvCxnSpPr>
-        <p:spPr>
-          <a:xfrm flipH="1">
-            <a:off x="11666382" y="4417659"/>
-            <a:ext cx="1219013" cy="930693"/>
-          </a:xfrm>
-          <a:prstGeom prst="straightConnector1">
-            <a:avLst/>
-          </a:prstGeom>
-          <a:noFill/>
-          <a:ln w="9525" cap="flat" cmpd="sng">
-            <a:solidFill>
-              <a:schemeClr val="dk2"/>
-            </a:solidFill>
-            <a:prstDash val="solid"/>
-            <a:round/>
-            <a:headEnd type="none" w="med" len="med"/>
-            <a:tailEnd type="triangle" w="med" len="med"/>
-          </a:ln>
-        </p:spPr>
-      </p:cxnSp>
-      <p:pic>
-        <p:nvPicPr>
-          <p:cNvPr id="237" name="Google Shape;237;p45" descr="A cloud representing the internet"/>
-          <p:cNvPicPr preferRelativeResize="0"/>
-          <p:nvPr/>
-        </p:nvPicPr>
-        <p:blipFill>
-          <a:blip r:embed="rId7">
-            <a:alphaModFix/>
-          </a:blip>
-          <a:stretch>
-            <a:fillRect/>
-          </a:stretch>
-        </p:blipFill>
-        <p:spPr>
-          <a:xfrm>
-            <a:off x="8773128" y="4647953"/>
-            <a:ext cx="3617692" cy="2894154"/>
-          </a:xfrm>
-          <a:prstGeom prst="rect">
-            <a:avLst/>
-          </a:prstGeom>
-          <a:noFill/>
-          <a:ln>
-            <a:noFill/>
-          </a:ln>
-        </p:spPr>
-      </p:pic>
-      <p:sp>
-        <p:nvSpPr>
-          <p:cNvPr id="243" name="Google Shape;243;p45"/>
-          <p:cNvSpPr txBox="1"/>
-          <p:nvPr/>
-        </p:nvSpPr>
-        <p:spPr>
-          <a:xfrm>
-            <a:off x="9879985" y="5917775"/>
-            <a:ext cx="1403973" cy="354507"/>
-          </a:xfrm>
-          <a:prstGeom prst="rect">
-            <a:avLst/>
-          </a:prstGeom>
-          <a:noFill/>
-          <a:ln>
-            <a:noFill/>
-          </a:ln>
-        </p:spPr>
-        <p:txBody>
-          <a:bodyPr spcFirstLastPara="1" wrap="square" lIns="138153" tIns="138153" rIns="138153" bIns="138153" anchor="t" anchorCtr="0">
-            <a:noAutofit/>
-          </a:bodyPr>
-          <a:lstStyle/>
-          <a:p>
-            <a:r>
-              <a:rPr lang="en" sz="1511">
-                <a:latin typeface="Proxima Nova"/>
-                <a:ea typeface="Proxima Nova"/>
-                <a:cs typeface="Proxima Nova"/>
-                <a:sym typeface="Proxima Nova"/>
-              </a:rPr>
-              <a:t>Internet</a:t>
-            </a:r>
-            <a:endParaRPr sz="1511">
-              <a:latin typeface="Proxima Nova"/>
-              <a:ea typeface="Proxima Nova"/>
-              <a:cs typeface="Proxima Nova"/>
-              <a:sym typeface="Proxima Nova"/>
-            </a:endParaRPr>
-          </a:p>
-        </p:txBody>
-      </p:sp>
-    </p:spTree>
-  </p:cSld>
-  <p:clrMapOvr>
-    <a:masterClrMapping/>
-  </p:clrMapOvr>
-</p:sld>
-</file>
-
-<file path=ppt/slides/slide8.xml><?xml version="1.0" encoding="utf-8"?>
-<p:sld xmlns:a="http://schemas.openxmlformats.org/drawingml/2006/main" xmlns:r="http://schemas.openxmlformats.org/officeDocument/2006/relationships" xmlns:p="http://schemas.openxmlformats.org/presentationml/2006/main">
-  <p:cSld>
-    <p:spTree>
-      <p:nvGrpSpPr>
-        <p:cNvPr id="1" name="Shape 249"/>
-        <p:cNvGrpSpPr/>
-        <p:nvPr/>
-      </p:nvGrpSpPr>
-      <p:grpSpPr>
-        <a:xfrm>
-          <a:off x="0" y="0"/>
-          <a:ext cx="0" cy="0"/>
-          <a:chOff x="0" y="0"/>
-          <a:chExt cx="0" cy="0"/>
-        </a:xfrm>
-      </p:grpSpPr>
-      <p:sp>
-        <p:nvSpPr>
-          <p:cNvPr id="250" name="Google Shape;250;p46"/>
-          <p:cNvSpPr txBox="1">
-            <a:spLocks noGrp="1"/>
-          </p:cNvSpPr>
-          <p:nvPr>
-            <p:ph type="title"/>
-          </p:nvPr>
-        </p:nvSpPr>
-        <p:spPr>
-          <a:xfrm>
-            <a:off x="628075" y="751389"/>
-            <a:ext cx="12561413" cy="1015467"/>
-          </a:xfrm>
-          <a:prstGeom prst="rect">
-            <a:avLst/>
-          </a:prstGeom>
-        </p:spPr>
-        <p:txBody>
-          <a:bodyPr spcFirstLastPara="1" vert="horz" wrap="square" lIns="91422" tIns="91422" rIns="91422" bIns="91422" rtlCol="0" anchor="b" anchorCtr="0">
-            <a:noAutofit/>
-          </a:bodyPr>
-          <a:lstStyle/>
-          <a:p>
-            <a:r>
-              <a:rPr lang="en"/>
-              <a:t>VPN Setup hints</a:t>
-            </a:r>
-            <a:endParaRPr/>
-          </a:p>
-        </p:txBody>
-      </p:sp>
-      <p:sp>
-        <p:nvSpPr>
-          <p:cNvPr id="251" name="Google Shape;251;p46"/>
-          <p:cNvSpPr txBox="1">
-            <a:spLocks noGrp="1"/>
-          </p:cNvSpPr>
-          <p:nvPr>
-            <p:ph type="body" idx="1"/>
-          </p:nvPr>
-        </p:nvSpPr>
-        <p:spPr>
-          <a:xfrm>
-            <a:off x="628087" y="2487899"/>
-            <a:ext cx="8204427" cy="3179680"/>
-          </a:xfrm>
-          <a:prstGeom prst="rect">
-            <a:avLst/>
-          </a:prstGeom>
-        </p:spPr>
-        <p:txBody>
-          <a:bodyPr spcFirstLastPara="1" vert="horz" wrap="square" lIns="91422" tIns="91422" rIns="91422" bIns="91422" rtlCol="0" anchor="t" anchorCtr="0">
-            <a:noAutofit/>
-          </a:bodyPr>
-          <a:lstStyle/>
-          <a:p>
-            <a:pPr>
-              <a:buChar char="●"/>
-            </a:pPr>
-            <a:r>
-              <a:rPr lang="en" sz="2116"/>
-              <a:t>Go Here: </a:t>
-            </a:r>
-            <a:r>
-              <a:rPr lang="en" sz="1964" u="sng">
-                <a:solidFill>
-                  <a:schemeClr val="hlink"/>
-                </a:solidFill>
-                <a:latin typeface="Arial"/>
-                <a:ea typeface="Arial"/>
-                <a:cs typeface="Arial"/>
-                <a:sym typeface="Arial"/>
-                <a:hlinkClick r:id="rId3"/>
-              </a:rPr>
-              <a:t>https://www.acns.colostate.edu/security/</a:t>
-            </a:r>
-            <a:endParaRPr sz="2116"/>
-          </a:p>
-          <a:p>
-            <a:pPr indent="-479774">
-              <a:spcBef>
-                <a:spcPts val="0"/>
-              </a:spcBef>
-              <a:buSzPts val="1400"/>
-              <a:buChar char="●"/>
-            </a:pPr>
-            <a:r>
-              <a:rPr lang="en" sz="2116"/>
-              <a:t>Install the Application (don’t mess with securing via browser)</a:t>
-            </a:r>
-            <a:endParaRPr sz="2116"/>
-          </a:p>
-          <a:p>
-            <a:pPr lvl="1" indent="-470179">
-              <a:spcBef>
-                <a:spcPts val="0"/>
-              </a:spcBef>
-              <a:buSzPts val="1300"/>
-              <a:buChar char="○"/>
-            </a:pPr>
-            <a:r>
-              <a:rPr lang="en" sz="1964"/>
-              <a:t>You will also need the Duo app on phone (for two factor)</a:t>
-            </a:r>
-            <a:endParaRPr sz="1964"/>
-          </a:p>
-          <a:p>
-            <a:pPr indent="-479774">
-              <a:spcBef>
-                <a:spcPts val="0"/>
-              </a:spcBef>
-              <a:buSzPts val="1400"/>
-              <a:buChar char="●"/>
-            </a:pPr>
-            <a:r>
-              <a:rPr lang="en" sz="2116"/>
-              <a:t>Connect via browser once - too get config files</a:t>
-            </a:r>
-            <a:endParaRPr sz="2116"/>
-          </a:p>
-          <a:p>
-            <a:pPr indent="-479774">
-              <a:spcBef>
-                <a:spcPts val="0"/>
-              </a:spcBef>
-              <a:buSzPts val="1400"/>
-              <a:buChar char="●"/>
-            </a:pPr>
-            <a:r>
-              <a:rPr lang="en" sz="2116"/>
-              <a:t>Whenever you are not on campus</a:t>
-            </a:r>
-            <a:endParaRPr sz="2116"/>
-          </a:p>
-          <a:p>
-            <a:pPr lvl="1" indent="-470179">
-              <a:spcBef>
-                <a:spcPts val="0"/>
-              </a:spcBef>
-              <a:buSzPts val="1300"/>
-              <a:buChar char="○"/>
-            </a:pPr>
-            <a:r>
-              <a:rPr lang="en" sz="1964"/>
-              <a:t>Connect through the Pulse Client</a:t>
-            </a:r>
-            <a:endParaRPr sz="1964"/>
-          </a:p>
-        </p:txBody>
-      </p:sp>
-      <p:sp>
-        <p:nvSpPr>
-          <p:cNvPr id="253" name="Google Shape;253;p46"/>
-          <p:cNvSpPr txBox="1"/>
-          <p:nvPr/>
-        </p:nvSpPr>
-        <p:spPr>
-          <a:xfrm>
-            <a:off x="1141486" y="5675681"/>
-            <a:ext cx="7177627" cy="848187"/>
-          </a:xfrm>
-          <a:prstGeom prst="rect">
-            <a:avLst/>
-          </a:prstGeom>
-          <a:noFill/>
-          <a:ln>
-            <a:noFill/>
-          </a:ln>
-        </p:spPr>
-        <p:txBody>
-          <a:bodyPr spcFirstLastPara="1" wrap="square" lIns="138153" tIns="138153" rIns="138153" bIns="138153" anchor="t" anchorCtr="0">
-            <a:noAutofit/>
-          </a:bodyPr>
-          <a:lstStyle/>
-          <a:p>
-            <a:r>
-              <a:rPr lang="en" sz="3022" dirty="0">
-                <a:latin typeface="Proxima Nova"/>
-                <a:ea typeface="Proxima Nova"/>
-                <a:cs typeface="Proxima Nova"/>
-                <a:sym typeface="Proxima Nova"/>
-              </a:rPr>
-              <a:t>This is all great, but what you want to encrypt something, only your friend can read?</a:t>
-            </a:r>
-            <a:endParaRPr sz="3022" dirty="0">
-              <a:latin typeface="Proxima Nova"/>
-              <a:ea typeface="Proxima Nova"/>
-              <a:cs typeface="Proxima Nova"/>
-              <a:sym typeface="Proxima Nova"/>
-            </a:endParaRPr>
-          </a:p>
-        </p:txBody>
-      </p:sp>
-      <p:pic>
-        <p:nvPicPr>
-          <p:cNvPr id="252" name="Google Shape;252;p46" descr="Information for using the manual instillation for Pulse Secure Connect Gateway"/>
-          <p:cNvPicPr preferRelativeResize="0"/>
-          <p:nvPr/>
-        </p:nvPicPr>
-        <p:blipFill>
-          <a:blip r:embed="rId4">
-            <a:alphaModFix/>
-          </a:blip>
-          <a:stretch>
-            <a:fillRect/>
-          </a:stretch>
-        </p:blipFill>
-        <p:spPr>
-          <a:xfrm>
-            <a:off x="9042143" y="1344312"/>
-            <a:ext cx="4524502" cy="2689432"/>
-          </a:xfrm>
-          <a:prstGeom prst="rect">
-            <a:avLst/>
-          </a:prstGeom>
-          <a:noFill/>
-          <a:ln>
-            <a:noFill/>
-          </a:ln>
-        </p:spPr>
-      </p:pic>
-    </p:spTree>
-  </p:cSld>
-  <p:clrMapOvr>
-    <a:masterClrMapping/>
-  </p:clrMapOvr>
-  <p:timing>
-    <p:tnLst>
-      <p:par>
-        <p:cTn id="1" dur="indefinite" restart="never" nodeType="tmRoot">
-          <p:childTnLst>
-            <p:seq concurrent="1" nextAc="seek">
-              <p:cTn id="2" dur="indefinite" nodeType="mainSeq">
-                <p:childTnLst>
-                  <p:par>
-                    <p:cTn id="3" fill="hold">
-                      <p:stCondLst>
-                        <p:cond delay="indefinite"/>
-                      </p:stCondLst>
-                      <p:childTnLst>
-                        <p:par>
-                          <p:cTn id="4" fill="hold">
-                            <p:stCondLst>
-                              <p:cond delay="0"/>
-                            </p:stCondLst>
-                            <p:childTnLst>
-                              <p:par>
-                                <p:cTn id="5" presetID="10" presetClass="entr" presetSubtype="0" fill="hold" nodeType="clickEffect">
-                                  <p:stCondLst>
-                                    <p:cond delay="0"/>
-                                  </p:stCondLst>
-                                  <p:childTnLst>
-                                    <p:set>
-                                      <p:cBhvr>
-                                        <p:cTn id="6" dur="1" fill="hold">
-                                          <p:stCondLst>
-                                            <p:cond delay="0"/>
-                                          </p:stCondLst>
-                                        </p:cTn>
-                                        <p:tgtEl>
-                                          <p:spTgt spid="253"/>
-                                        </p:tgtEl>
-                                        <p:attrNameLst>
-                                          <p:attrName>style.visibility</p:attrName>
-                                        </p:attrNameLst>
-                                      </p:cBhvr>
-                                      <p:to>
-                                        <p:strVal val="visible"/>
-                                      </p:to>
-                                    </p:set>
-                                    <p:animEffect transition="in" filter="fade">
-                                      <p:cBhvr>
-                                        <p:cTn id="7" dur="1000"/>
-                                        <p:tgtEl>
-                                          <p:spTgt spid="253"/>
-                                        </p:tgtEl>
-                                      </p:cBhvr>
-                                    </p:animEffect>
-                                  </p:childTnLst>
-                                </p:cTn>
-                              </p:par>
-                            </p:childTnLst>
-                          </p:cTn>
-                        </p:par>
-                      </p:childTnLst>
-                    </p:cTn>
-                  </p:par>
-                </p:childTnLst>
-              </p:cTn>
-              <p:prevCondLst>
-                <p:cond evt="onPrev" delay="0">
-                  <p:tgtEl>
-                    <p:sldTgt/>
-                  </p:tgtEl>
-                </p:cond>
-              </p:prevCondLst>
-              <p:nextCondLst>
-                <p:cond evt="onNext" delay="0">
-                  <p:tgtEl>
-                    <p:sldTgt/>
-                  </p:tgtEl>
-                </p:cond>
-              </p:nextCondLst>
-            </p:seq>
-          </p:childTnLst>
-        </p:cTn>
-      </p:par>
-    </p:tnLst>
-  </p:timing>
-</p:sld>
-</file>
-
-<file path=ppt/slides/slide9.xml><?xml version="1.0" encoding="utf-8"?>
 <p:sld xmlns:a="http://schemas.openxmlformats.org/drawingml/2006/main" xmlns:r="http://schemas.openxmlformats.org/officeDocument/2006/relationships" xmlns:p="http://schemas.openxmlformats.org/presentationml/2006/main">
   <p:cSld>
     <p:spTree>
@@ -10733,6 +9818,606 @@
   <p:clrMapOvr>
     <a:masterClrMapping/>
   </p:clrMapOvr>
+</p:sld>
+</file>
+
+<file path=ppt/slides/slide8.xml><?xml version="1.0" encoding="utf-8"?>
+<p:sld xmlns:a="http://schemas.openxmlformats.org/drawingml/2006/main" xmlns:r="http://schemas.openxmlformats.org/officeDocument/2006/relationships" xmlns:p="http://schemas.openxmlformats.org/presentationml/2006/main">
+  <p:cSld>
+    <p:spTree>
+      <p:nvGrpSpPr>
+        <p:cNvPr id="1" name=""/>
+        <p:cNvGrpSpPr/>
+        <p:nvPr/>
+      </p:nvGrpSpPr>
+      <p:grpSpPr>
+        <a:xfrm>
+          <a:off x="0" y="0"/>
+          <a:ext cx="0" cy="0"/>
+          <a:chOff x="0" y="0"/>
+          <a:chExt cx="0" cy="0"/>
+        </a:xfrm>
+      </p:grpSpPr>
+      <p:sp>
+        <p:nvSpPr>
+          <p:cNvPr id="2" name="Title 1">
+            <a:extLst>
+              <a:ext uri="{FF2B5EF4-FFF2-40B4-BE49-F238E27FC236}">
+                <a16:creationId xmlns:a16="http://schemas.microsoft.com/office/drawing/2014/main" id="{8055355E-9C13-3544-9064-ACAA831C2392}"/>
+              </a:ext>
+            </a:extLst>
+          </p:cNvPr>
+          <p:cNvSpPr>
+            <a:spLocks noGrp="1"/>
+          </p:cNvSpPr>
+          <p:nvPr>
+            <p:ph type="title"/>
+          </p:nvPr>
+        </p:nvSpPr>
+        <p:spPr/>
+        <p:txBody>
+          <a:bodyPr/>
+          <a:lstStyle/>
+          <a:p>
+            <a:r>
+              <a:rPr lang="en-US" dirty="0"/>
+              <a:t>GnuPG (Public Key Storage)</a:t>
+            </a:r>
+          </a:p>
+        </p:txBody>
+      </p:sp>
+      <p:sp>
+        <p:nvSpPr>
+          <p:cNvPr id="3" name="Text Placeholder 2">
+            <a:extLst>
+              <a:ext uri="{FF2B5EF4-FFF2-40B4-BE49-F238E27FC236}">
+                <a16:creationId xmlns:a16="http://schemas.microsoft.com/office/drawing/2014/main" id="{6B7408E5-071B-1241-A0DB-BAF4F2B9CDE1}"/>
+              </a:ext>
+            </a:extLst>
+          </p:cNvPr>
+          <p:cNvSpPr>
+            <a:spLocks noGrp="1"/>
+          </p:cNvSpPr>
+          <p:nvPr>
+            <p:ph type="body" idx="1"/>
+          </p:nvPr>
+        </p:nvSpPr>
+        <p:spPr>
+          <a:xfrm>
+            <a:off x="628075" y="1920724"/>
+            <a:ext cx="4745436" cy="5100287"/>
+          </a:xfrm>
+        </p:spPr>
+        <p:txBody>
+          <a:bodyPr/>
+          <a:lstStyle/>
+          <a:p>
+            <a:r>
+              <a:rPr lang="en-US" dirty="0"/>
+              <a:t>Software that helps</a:t>
+            </a:r>
+          </a:p>
+          <a:p>
+            <a:pPr lvl="1"/>
+            <a:r>
+              <a:rPr lang="en-US" dirty="0"/>
+              <a:t>manage your keys (both public and private)</a:t>
+            </a:r>
+          </a:p>
+          <a:p>
+            <a:pPr lvl="1"/>
+            <a:r>
+              <a:rPr lang="en-US" dirty="0"/>
+              <a:t>manage your friend’s public keys</a:t>
+            </a:r>
+          </a:p>
+          <a:p>
+            <a:pPr lvl="1"/>
+            <a:r>
+              <a:rPr lang="en-US" dirty="0"/>
+              <a:t>Use an email to access public key</a:t>
+            </a:r>
+          </a:p>
+          <a:p>
+            <a:r>
+              <a:rPr lang="en-US" dirty="0"/>
+              <a:t>Using this? Who can read the file?</a:t>
+            </a:r>
+          </a:p>
+          <a:p>
+            <a:pPr lvl="1"/>
+            <a:r>
+              <a:rPr lang="en-US" dirty="0"/>
+              <a:t>Sender or receiver?</a:t>
+            </a:r>
+          </a:p>
+          <a:p>
+            <a:pPr lvl="1"/>
+            <a:r>
+              <a:rPr lang="en-US" dirty="0"/>
+              <a:t>Discuss</a:t>
+            </a:r>
+          </a:p>
+          <a:p>
+            <a:pPr marL="930762" lvl="1" indent="0">
+              <a:buNone/>
+            </a:pPr>
+            <a:endParaRPr lang="en-US" dirty="0"/>
+          </a:p>
+          <a:p>
+            <a:r>
+              <a:rPr lang="en-US" dirty="0"/>
+              <a:t>Future Problems..</a:t>
+            </a:r>
+          </a:p>
+          <a:p>
+            <a:pPr lvl="1"/>
+            <a:r>
+              <a:rPr lang="en-US" dirty="0"/>
+              <a:t>Can we make this easier to use?</a:t>
+            </a:r>
+          </a:p>
+          <a:p>
+            <a:pPr lvl="1"/>
+            <a:r>
+              <a:rPr lang="en-US" dirty="0"/>
+              <a:t>What about phones?</a:t>
+            </a:r>
+          </a:p>
+          <a:p>
+            <a:endParaRPr lang="en-US" dirty="0"/>
+          </a:p>
+        </p:txBody>
+      </p:sp>
+      <p:sp>
+        <p:nvSpPr>
+          <p:cNvPr id="5" name="TextBox 4">
+            <a:extLst>
+              <a:ext uri="{FF2B5EF4-FFF2-40B4-BE49-F238E27FC236}">
+                <a16:creationId xmlns:a16="http://schemas.microsoft.com/office/drawing/2014/main" id="{6B461988-9BD7-EF44-A233-BDDDBB54E533}"/>
+              </a:ext>
+            </a:extLst>
+          </p:cNvPr>
+          <p:cNvSpPr txBox="1"/>
+          <p:nvPr/>
+        </p:nvSpPr>
+        <p:spPr>
+          <a:xfrm>
+            <a:off x="5619045" y="1920724"/>
+            <a:ext cx="8198555" cy="3416320"/>
+          </a:xfrm>
+          <a:prstGeom prst="rect">
+            <a:avLst/>
+          </a:prstGeom>
+          <a:noFill/>
+        </p:spPr>
+        <p:txBody>
+          <a:bodyPr wrap="square">
+            <a:spAutoFit/>
+          </a:bodyPr>
+          <a:lstStyle/>
+          <a:p>
+            <a:r>
+              <a:rPr lang="en-US" sz="800" dirty="0"/>
+              <a:t>-----BEGIN PGP PUBLIC KEY BLOCK-----</a:t>
+            </a:r>
+          </a:p>
+          <a:p>
+            <a:r>
+              <a:rPr lang="en-US" sz="800" dirty="0"/>
+              <a:t>mQINBF4OMKoBEADWtlAfO0Y7aAxwihsraAC9eyh8WubAa6w0ulOiDLZaSRLgjkO/lK9aq5IEpYcJ0iZqSKfUD3lBmb6/CiFxwCWNR8PLWW/6+yPxQaLh1biaAFmTwDL6</a:t>
+            </a:r>
+          </a:p>
+          <a:p>
+            <a:r>
+              <a:rPr lang="en-US" sz="800" dirty="0"/>
+              <a:t>9T5OmP9b8RrFCBWDfBwz5pqxIvb+ewajiFN+6OgnKh3BGJS5kcJebGmHhyvBgVfZ1JF/Z7fBNLNy5LJvVNdlsmviBnYnFnGxdynEF+Li6evINoECryoUeFWMaTdQXeuW</a:t>
+            </a:r>
+          </a:p>
+          <a:p>
+            <a:r>
+              <a:rPr lang="en-US" sz="800" dirty="0"/>
+              <a:t>CaKnUS8UaeDdEg1hyPYHTt2BIdHCHyjkCUSg9i0G1YungdEuoAkZssd7ZfCscIt4+8RINao+K6NqYLgpd+EGXxytpmQT7bprBMgHcqftwAhqLmexjxpLRaH4IasLavEN</a:t>
+            </a:r>
+          </a:p>
+          <a:p>
+            <a:r>
+              <a:rPr lang="en-US" sz="800" dirty="0"/>
+              <a:t>WHi0ZYjbxx4vWNcdJg9GoVn3mzjs4ohxWd9uVg3Tzd1J0dkRloMOqnUSSqYCyXo5L2uamIcC8De0QPXEsclYUeZ7CrK6hYE4gFIN+dIe7JmtDd8hKcUFnc8fPFg/</a:t>
+            </a:r>
+            <a:r>
+              <a:rPr lang="en-US" sz="800" dirty="0" err="1"/>
+              <a:t>NbIv</a:t>
+            </a:r>
+            <a:endParaRPr lang="en-US" sz="800" dirty="0"/>
+          </a:p>
+          <a:p>
+            <a:r>
+              <a:rPr lang="en-US" sz="800" dirty="0"/>
+              <a:t>xQc0XUPqHR24kHA3Gx7iQkGrlRo9lhYK5Obb13HUPQh5CUj1e/</a:t>
+            </a:r>
+            <a:r>
+              <a:rPr lang="en-US" sz="800" dirty="0" err="1"/>
+              <a:t>ZfZLCBTD</a:t>
+            </a:r>
+            <a:r>
+              <a:rPr lang="en-US" sz="800" dirty="0"/>
+              <a:t>/jd0ERR8mRHCVqyU3AySnBtEMcci1SfRN3E1639VFNGxaYAX2KbrXORFzBpT8vNGNodIHW</a:t>
+            </a:r>
+          </a:p>
+          <a:p>
+            <a:r>
+              <a:rPr lang="en-US" sz="800" dirty="0"/>
+              <a:t>sg63bDu4iOzryFYaDpw9UjbKTGLbogurpazxmaHc2sVyEwgyAT8yf3DkhQARAQABtCRBbGJlcnQgTGlvbmVsbGUgPGxpb25lbGxlQGdtYWlsLmNvbT6JAlQEEwEIAD4W</a:t>
+            </a:r>
+          </a:p>
+          <a:p>
+            <a:r>
+              <a:rPr lang="en-US" sz="800" dirty="0"/>
+              <a:t>IQQ0N0oy9gxHG96NoQkg3c8bfLyz1wUCXg4wqgIbAwUJEs/3gAULCQgHAgYVCgkICwIEFgIDAQIeAQIXgAAKCRAg3c8bfLyz1wCvEACX0+IQZiuqFoyjRkqthJpHpAeS</a:t>
+            </a:r>
+          </a:p>
+          <a:p>
+            <a:r>
+              <a:rPr lang="en-US" sz="800" dirty="0"/>
+              <a:t>E1aFbRCsb6EcKhDul2Ut5XN0hZ22JL1R/Uqsova+TyIck+BRfDVsMMtAqGKy9qGT7dp6QoIBUq1CogLmHDLL4ifhT8vGoxOSS1MWcV09bDO3ffpuiuG5OHVmfPCA1qhH</a:t>
+            </a:r>
+          </a:p>
+          <a:p>
+            <a:r>
+              <a:rPr lang="en-US" sz="800" dirty="0"/>
+              <a:t>7Hkw8qihNyshjYghrHX2+0MpSNzdulxSiGlvNhuARcwevX+/R8ci44Aj4XpG/wYNSwdTu+vFBT1skr9DYEC009y5C17GRHwys7IOPm6Dd7YqQQ/</a:t>
+            </a:r>
+            <a:r>
+              <a:rPr lang="en-US" sz="800" dirty="0" err="1"/>
+              <a:t>vcHUUfbTNVR</a:t>
+            </a:r>
+            <a:r>
+              <a:rPr lang="en-US" sz="800" dirty="0"/>
+              <a:t>/0dfBt</a:t>
+            </a:r>
+          </a:p>
+          <a:p>
+            <a:r>
+              <a:rPr lang="en-US" sz="800" dirty="0"/>
+              <a:t>5UNCeAqKlkj9CFWgSuLmAH+5w3ko7hxbfE9jtf109iMKaW6VyzKOv59x5t5jFV9fHYrTIE1H3etow2zY5XXn0/ajyHB8QDiItYghfkoLH1XYv+SEQY+nQtdcjCuHFf+O</a:t>
+            </a:r>
+          </a:p>
+          <a:p>
+            <a:r>
+              <a:rPr lang="en-US" sz="800" dirty="0"/>
+              <a:t>gxs9eEvYRvjR06OCWDCJh1OmUYjPNntfuRQ+1yj5yjUr4L5cECmwJGtDnWWDUyuwxjdACOQA0aX+/dD3uX9hxy3DUflhHnGJrZp5Lv3ORS0X0NJlbq7mfelZuF4xtwgd</a:t>
+            </a:r>
+          </a:p>
+          <a:p>
+            <a:r>
+              <a:rPr lang="en-US" sz="800" dirty="0"/>
+              <a:t>OP4T5V4fQFQ/pQ8ZiGIzKAidAydw19yYeFKj/o/DpZxBu16BNaJmMROIneeTapd37iYVyuFNQMTSdGtwOZdrKjq4XkMdo7glNn4OrhdzfWx8xdPEDvsgv3NVd59Jdhd4</a:t>
+            </a:r>
+          </a:p>
+          <a:p>
+            <a:r>
+              <a:rPr lang="en-US" sz="800" dirty="0"/>
+              <a:t>F6/x8u/IVxkI3IeqorkCDQReDjCqARAAuwkgJxcAHnnwG/M+lZdB3VUfDaE7QeCXlw3vZBPx02SzASnF3QXwBMXIVFnh2GXGaLM8+Lv7ryLofbtoWSkFHjoRAGTQyV+e</a:t>
+            </a:r>
+          </a:p>
+          <a:p>
+            <a:r>
+              <a:rPr lang="en-US" sz="800" dirty="0"/>
+              <a:t>aLlCWU5ZJoCJmJJTrxonYveTRcODQFCrtjjdk9RwDoz758A9RXQ6oEQA59KqC/SgX9Jb075EmjVAiDPG8jqdaSEVRZqGcnAMPZ2RwsqgflSJtpQbYxSyIwYb6xgwuM+E</a:t>
+            </a:r>
+          </a:p>
+          <a:p>
+            <a:r>
+              <a:rPr lang="en-US" sz="800" dirty="0"/>
+              <a:t>PJzmSUpAEIGf6eGygIcdXx8f068Rg/</a:t>
+            </a:r>
+            <a:r>
+              <a:rPr lang="en-US" sz="800" dirty="0" err="1"/>
+              <a:t>BIcINuBQQ</a:t>
+            </a:r>
+            <a:r>
+              <a:rPr lang="en-US" sz="800" dirty="0"/>
+              <a:t>/b2bBOhEQZqGhrLXNyWDYIPdMExudVmATJZaXJnOjb54fTNBJZNwifOBRaIuC8gZ34oCd342ol4FY7BHL49+woge5</a:t>
+            </a:r>
+          </a:p>
+          <a:p>
+            <a:r>
+              <a:rPr lang="en-US" sz="800" dirty="0"/>
+              <a:t>ypUvAq8oJ6DiRzZKMHDxVLDaAwivfbRoUXj/mcfR7L3Wr3Tnj3fbhy6XneLcTLNM/WGHsdyQsAKgD6gIe8PTonxvilS4MBEdsWMT6I+5NanD69Evd0z7Jtnkd5r7Znmq</a:t>
+            </a:r>
+          </a:p>
+          <a:p>
+            <a:r>
+              <a:rPr lang="en-US" sz="800" dirty="0"/>
+              <a:t>ngfZaIllrTmwMNUrVtINijGHubL71UDg+dKzhYzwvNKHTtfeIRdxFDi4+jqoe1rW4GA0PJQXn1RlJzoA3H0SwX1EWuSuKsIjKZ9eCVN//I2z3LpENJ4lpQESd9wWvJbm</a:t>
+            </a:r>
+          </a:p>
+          <a:p>
+            <a:r>
+              <a:rPr lang="en-US" sz="800" dirty="0"/>
+              <a:t>jvijjKYlki10CyZiLc0D6iaprbZjGMwayPxNVuAFbRhAzRpupYp2Pd9RVoexMLqmWlALPW97HG8AEQEAAYkCPAQYAQgAJhYhBDQ3SjL2DEcb3o2hCSDdzxt8vLPXBQJe</a:t>
+            </a:r>
+          </a:p>
+          <a:p>
+            <a:r>
+              <a:rPr lang="en-US" sz="800" dirty="0" err="1"/>
+              <a:t>DjCqAhsMBQkSz</a:t>
+            </a:r>
+            <a:r>
+              <a:rPr lang="en-US" sz="800" dirty="0"/>
+              <a:t>/eAAAoJECDdzxt8vLPXPAcP/0q1/H0bb+EijhXW+r/</a:t>
+            </a:r>
+            <a:r>
+              <a:rPr lang="en-US" sz="800" dirty="0" err="1"/>
+              <a:t>PJETlgiwcRp</a:t>
+            </a:r>
+            <a:r>
+              <a:rPr lang="en-US" sz="800" dirty="0"/>
+              <a:t>/RQEqzwGnPCyK0rVSpyeb1it/hMu8hKS/3s+/T2wHRR8otWwKwH8G0Wqn1Rz0/</a:t>
+            </a:r>
+          </a:p>
+          <a:p>
+            <a:r>
+              <a:rPr lang="en-US" sz="800" dirty="0"/>
+              <a:t>aauEQD3F6GWU8LUFmE6nOa2E7Xsjcy2R4UOAB5um29nnRj2+NxTedBtf+MeilMg6Vkm1iztzl94rlJt1MZyCeiB0Tmk17Kh7OD+Dz91jfq2N725gwX9zyXVymbcsT00f</a:t>
+            </a:r>
+          </a:p>
+          <a:p>
+            <a:r>
+              <a:rPr lang="en-US" sz="800" dirty="0" err="1"/>
+              <a:t>fafEIossGI</a:t>
+            </a:r>
+            <a:r>
+              <a:rPr lang="en-US" sz="800" dirty="0"/>
+              <a:t>/i92T1D8IqWWsXa0DPkKjitSFr1gpNFb8HrkwtKzXkNCuSEOFnWp3/</a:t>
+            </a:r>
+            <a:r>
+              <a:rPr lang="en-US" sz="800" dirty="0" err="1"/>
+              <a:t>eVW</a:t>
+            </a:r>
+            <a:r>
+              <a:rPr lang="en-US" sz="800" dirty="0"/>
+              <a:t>/4fX90vEChi3vUBuqAyRgd7+7VKlmMKR1hWhatSp+5Wq8nZYFZP2ja1wiETpZ</a:t>
+            </a:r>
+          </a:p>
+          <a:p>
+            <a:r>
+              <a:rPr lang="en-US" sz="800" dirty="0"/>
+              <a:t>LlvUGzaz2eVtiWrU0L6Z0tZMsUAY3+lC12z2g02kRTSsBAdOL1Rzssz7MmN0w/2+qQrSg5gkMsJynKJ0Z+KmmBuf3b3I2yGAnEIWtqIXLfgVSpVn5LffhCtN0mR/</a:t>
+            </a:r>
+            <a:r>
+              <a:rPr lang="en-US" sz="800" dirty="0" err="1"/>
+              <a:t>uVRQ</a:t>
+            </a:r>
+            <a:endParaRPr lang="en-US" sz="800" dirty="0"/>
+          </a:p>
+          <a:p>
+            <a:r>
+              <a:rPr lang="en-US" sz="800" dirty="0"/>
+              <a:t>F698osS1UqIEVDTnax61xZStlNriGz5Iztmqp2kCDUTj7/suC7UnDrMljgGk0USbb2B6Pgsxbb7JezilQfv3eReCi5QsuGWuEIC6Q0P0qjyLySjDKJVQ5km+KnYb/</a:t>
+            </a:r>
+            <a:r>
+              <a:rPr lang="en-US" sz="800" dirty="0" err="1"/>
+              <a:t>rRn</a:t>
+            </a:r>
+            <a:endParaRPr lang="en-US" sz="800" dirty="0"/>
+          </a:p>
+          <a:p>
+            <a:r>
+              <a:rPr lang="en-US" sz="800" dirty="0"/>
+              <a:t>7shD5cUa0yLI80hdH3XVJqMknc5c/OGhVL9j4eyz4V0/VZMPmgP3zmI3dNOnDvneuTDJOcIN9qKGSigo=</a:t>
+            </a:r>
+            <a:r>
+              <a:rPr lang="en-US" sz="800" dirty="0" err="1"/>
+              <a:t>ntvP</a:t>
+            </a:r>
+            <a:endParaRPr lang="en-US" sz="800" dirty="0"/>
+          </a:p>
+          <a:p>
+            <a:r>
+              <a:rPr lang="en-US" sz="800" dirty="0"/>
+              <a:t>-----END PGP PUBLIC KEY BLOCK-----</a:t>
+            </a:r>
+          </a:p>
+        </p:txBody>
+      </p:sp>
+      <p:pic>
+        <p:nvPicPr>
+          <p:cNvPr id="6" name="Google Shape;260;p47" descr="Diagram for Public and Private Keys. For Alice, it goes: Hello Bob  and Alice's Private key goes to sign which then encripts the message, Hello Bob. &#10;For Bob-He has to verify to message with Alice's public key to get the message, hello bob">
+            <a:extLst>
+              <a:ext uri="{FF2B5EF4-FFF2-40B4-BE49-F238E27FC236}">
+                <a16:creationId xmlns:a16="http://schemas.microsoft.com/office/drawing/2014/main" id="{E7181A99-1EB0-CF4A-96EA-2BD962B3DE6B}"/>
+              </a:ext>
+            </a:extLst>
+          </p:cNvPr>
+          <p:cNvPicPr preferRelativeResize="0"/>
+          <p:nvPr/>
+        </p:nvPicPr>
+        <p:blipFill>
+          <a:blip r:embed="rId2">
+            <a:alphaModFix/>
+          </a:blip>
+          <a:stretch>
+            <a:fillRect/>
+          </a:stretch>
+        </p:blipFill>
+        <p:spPr>
+          <a:xfrm>
+            <a:off x="11312848" y="5100321"/>
+            <a:ext cx="2300647" cy="2181013"/>
+          </a:xfrm>
+          <a:prstGeom prst="rect">
+            <a:avLst/>
+          </a:prstGeom>
+          <a:noFill/>
+          <a:ln>
+            <a:noFill/>
+          </a:ln>
+        </p:spPr>
+      </p:pic>
+    </p:spTree>
+    <p:extLst>
+      <p:ext uri="{BB962C8B-B14F-4D97-AF65-F5344CB8AC3E}">
+        <p14:creationId xmlns:p14="http://schemas.microsoft.com/office/powerpoint/2010/main" val="417352218"/>
+      </p:ext>
+    </p:extLst>
+  </p:cSld>
+  <p:clrMapOvr>
+    <a:masterClrMapping/>
+  </p:clrMapOvr>
+  <p:transition>
+    <p:fade/>
+  </p:transition>
+</p:sld>
+</file>
+
+<file path=ppt/slides/slide9.xml><?xml version="1.0" encoding="utf-8"?>
+<p:sld xmlns:a="http://schemas.openxmlformats.org/drawingml/2006/main" xmlns:r="http://schemas.openxmlformats.org/officeDocument/2006/relationships" xmlns:p="http://schemas.openxmlformats.org/presentationml/2006/main">
+  <p:cSld>
+    <p:spTree>
+      <p:nvGrpSpPr>
+        <p:cNvPr id="1" name=""/>
+        <p:cNvGrpSpPr/>
+        <p:nvPr/>
+      </p:nvGrpSpPr>
+      <p:grpSpPr>
+        <a:xfrm>
+          <a:off x="0" y="0"/>
+          <a:ext cx="0" cy="0"/>
+          <a:chOff x="0" y="0"/>
+          <a:chExt cx="0" cy="0"/>
+        </a:xfrm>
+      </p:grpSpPr>
+      <p:sp>
+        <p:nvSpPr>
+          <p:cNvPr id="2" name="Title 1">
+            <a:extLst>
+              <a:ext uri="{FF2B5EF4-FFF2-40B4-BE49-F238E27FC236}">
+                <a16:creationId xmlns:a16="http://schemas.microsoft.com/office/drawing/2014/main" id="{3E1A3021-250E-5E47-99D0-E2992863FE32}"/>
+              </a:ext>
+            </a:extLst>
+          </p:cNvPr>
+          <p:cNvSpPr>
+            <a:spLocks noGrp="1"/>
+          </p:cNvSpPr>
+          <p:nvPr>
+            <p:ph type="title"/>
+          </p:nvPr>
+        </p:nvSpPr>
+        <p:spPr/>
+        <p:txBody>
+          <a:bodyPr/>
+          <a:lstStyle/>
+          <a:p>
+            <a:r>
+              <a:rPr lang="en-US" dirty="0"/>
+              <a:t>Bitcoin</a:t>
+            </a:r>
+          </a:p>
+        </p:txBody>
+      </p:sp>
+      <p:sp>
+        <p:nvSpPr>
+          <p:cNvPr id="3" name="Text Placeholder 2">
+            <a:extLst>
+              <a:ext uri="{FF2B5EF4-FFF2-40B4-BE49-F238E27FC236}">
+                <a16:creationId xmlns:a16="http://schemas.microsoft.com/office/drawing/2014/main" id="{E523543E-D50C-0347-8B85-1ED3932E2B05}"/>
+              </a:ext>
+            </a:extLst>
+          </p:cNvPr>
+          <p:cNvSpPr>
+            <a:spLocks noGrp="1"/>
+          </p:cNvSpPr>
+          <p:nvPr>
+            <p:ph type="body" idx="1"/>
+          </p:nvPr>
+        </p:nvSpPr>
+        <p:spPr/>
+        <p:txBody>
+          <a:bodyPr/>
+          <a:lstStyle/>
+          <a:p>
+            <a:r>
+              <a:rPr lang="en-US" dirty="0"/>
+              <a:t>Take a moment to look up:</a:t>
+            </a:r>
+          </a:p>
+          <a:p>
+            <a:pPr lvl="1"/>
+            <a:r>
+              <a:rPr lang="en-US" dirty="0"/>
+              <a:t>The current value of bitcoin</a:t>
+            </a:r>
+          </a:p>
+          <a:p>
+            <a:pPr lvl="1"/>
+            <a:r>
+              <a:rPr lang="en-US" dirty="0"/>
+              <a:t>What about other crypto currencies</a:t>
+            </a:r>
+          </a:p>
+          <a:p>
+            <a:pPr lvl="2"/>
+            <a:r>
+              <a:rPr lang="en-US" dirty="0"/>
+              <a:t>can you list at  least five?</a:t>
+            </a:r>
+          </a:p>
+          <a:p>
+            <a:pPr lvl="1"/>
+            <a:endParaRPr lang="en-US" dirty="0"/>
+          </a:p>
+        </p:txBody>
+      </p:sp>
+      <p:sp>
+        <p:nvSpPr>
+          <p:cNvPr id="4" name="TextBox 3">
+            <a:extLst>
+              <a:ext uri="{FF2B5EF4-FFF2-40B4-BE49-F238E27FC236}">
+                <a16:creationId xmlns:a16="http://schemas.microsoft.com/office/drawing/2014/main" id="{C73DC03A-786F-6B48-9149-D65A378BF70D}"/>
+              </a:ext>
+            </a:extLst>
+          </p:cNvPr>
+          <p:cNvSpPr txBox="1"/>
+          <p:nvPr/>
+        </p:nvSpPr>
+        <p:spPr>
+          <a:xfrm>
+            <a:off x="2562578" y="6620901"/>
+            <a:ext cx="9105698" cy="400110"/>
+          </a:xfrm>
+          <a:prstGeom prst="rect">
+            <a:avLst/>
+          </a:prstGeom>
+          <a:noFill/>
+        </p:spPr>
+        <p:txBody>
+          <a:bodyPr wrap="none" rtlCol="0">
+            <a:spAutoFit/>
+          </a:bodyPr>
+          <a:lstStyle/>
+          <a:p>
+            <a:r>
+              <a:rPr lang="en-US" dirty="0"/>
+              <a:t>Review: can you describe the ‘linked-list’ / chain we talked about on Thursday?</a:t>
+            </a:r>
+          </a:p>
+        </p:txBody>
+      </p:sp>
+    </p:spTree>
+    <p:extLst>
+      <p:ext uri="{BB962C8B-B14F-4D97-AF65-F5344CB8AC3E}">
+        <p14:creationId xmlns:p14="http://schemas.microsoft.com/office/powerpoint/2010/main" val="1688669282"/>
+      </p:ext>
+    </p:extLst>
+  </p:cSld>
+  <p:clrMapOvr>
+    <a:masterClrMapping/>
+  </p:clrMapOvr>
+  <p:transition>
+    <p:fade/>
+  </p:transition>
 </p:sld>
 </file>
 

--- a/Slides/On-Campus/14_01_BlockChain.pptx
+++ b/Slides/On-Campus/14_01_BlockChain.pptx
@@ -224,7 +224,7 @@
           <a:p>
             <a:fld id="{4D7E51A5-B478-1E40-8CBB-0DAA8831E99D}" type="datetimeFigureOut">
               <a:rPr lang="en-US" smtClean="0"/>
-              <a:t>11/29/21</a:t>
+              <a:t>5/1/2022</a:t>
             </a:fld>
             <a:endParaRPr lang="en-US"/>
           </a:p>
@@ -389,7 +389,7 @@
           <a:p>
             <a:fld id="{D0ED587F-861E-6740-9643-E3DDAE89B8D6}" type="datetimeFigureOut">
               <a:rPr lang="en-US" smtClean="0"/>
-              <a:t>11/29/21</a:t>
+              <a:t>5/1/2022</a:t>
             </a:fld>
             <a:endParaRPr lang="en-US"/>
           </a:p>
@@ -8267,7 +8267,7 @@
 </file>
 
 <file path=ppt/slides/slide2.xml><?xml version="1.0" encoding="utf-8"?>
-<p:sld xmlns:a="http://schemas.openxmlformats.org/drawingml/2006/main" xmlns:r="http://schemas.openxmlformats.org/officeDocument/2006/relationships" xmlns:p="http://schemas.openxmlformats.org/presentationml/2006/main">
+<p:sld xmlns:a="http://schemas.openxmlformats.org/drawingml/2006/main" xmlns:r="http://schemas.openxmlformats.org/officeDocument/2006/relationships" xmlns:p="http://schemas.openxmlformats.org/presentationml/2006/main" show="0">
   <p:cSld>
     <p:spTree>
       <p:nvGrpSpPr>
